--- a/Documentos/AirData-Apresentacao (Sprint 1).pptx
+++ b/Documentos/AirData-Apresentacao (Sprint 1).pptx
@@ -5,7 +5,7 @@
     <p:sldMasterId id="2147483675" r:id="rId1"/>
   </p:sldMasterIdLst>
   <p:notesMasterIdLst>
-    <p:notesMasterId r:id="rId21"/>
+    <p:notesMasterId r:id="rId22"/>
   </p:notesMasterIdLst>
   <p:sldIdLst>
     <p:sldId id="313" r:id="rId2"/>
@@ -20,13 +20,14 @@
     <p:sldId id="319" r:id="rId11"/>
     <p:sldId id="334" r:id="rId12"/>
     <p:sldId id="335" r:id="rId13"/>
-    <p:sldId id="320" r:id="rId14"/>
-    <p:sldId id="278" r:id="rId15"/>
-    <p:sldId id="322" r:id="rId16"/>
-    <p:sldId id="324" r:id="rId17"/>
-    <p:sldId id="325" r:id="rId18"/>
-    <p:sldId id="326" r:id="rId19"/>
-    <p:sldId id="285" r:id="rId20"/>
+    <p:sldId id="336" r:id="rId14"/>
+    <p:sldId id="320" r:id="rId15"/>
+    <p:sldId id="278" r:id="rId16"/>
+    <p:sldId id="322" r:id="rId17"/>
+    <p:sldId id="324" r:id="rId18"/>
+    <p:sldId id="325" r:id="rId19"/>
+    <p:sldId id="326" r:id="rId20"/>
+    <p:sldId id="285" r:id="rId21"/>
   </p:sldIdLst>
   <p:sldSz cx="9144000" cy="5143500" type="screen16x9"/>
   <p:notesSz cx="6858000" cy="9144000"/>
@@ -935,6 +936,95 @@
 </file>
 
 <file path=ppt/notesSlides/notesSlide11.xml><?xml version="1.0" encoding="utf-8"?>
+<p:notes xmlns:a="http://schemas.openxmlformats.org/drawingml/2006/main" xmlns:r="http://schemas.openxmlformats.org/officeDocument/2006/relationships" xmlns:p="http://schemas.openxmlformats.org/presentationml/2006/main">
+  <p:cSld>
+    <p:spTree>
+      <p:nvGrpSpPr>
+        <p:cNvPr id="1" name=""/>
+        <p:cNvGrpSpPr/>
+        <p:nvPr/>
+      </p:nvGrpSpPr>
+      <p:grpSpPr>
+        <a:xfrm>
+          <a:off x="0" y="0"/>
+          <a:ext cx="0" cy="0"/>
+          <a:chOff x="0" y="0"/>
+          <a:chExt cx="0" cy="0"/>
+        </a:xfrm>
+      </p:grpSpPr>
+      <p:sp>
+        <p:nvSpPr>
+          <p:cNvPr id="2" name="Espaço Reservado para Imagem de Slide 1"/>
+          <p:cNvSpPr>
+            <a:spLocks noGrp="1" noRot="1" noChangeAspect="1"/>
+          </p:cNvSpPr>
+          <p:nvPr>
+            <p:ph type="sldImg"/>
+          </p:nvPr>
+        </p:nvSpPr>
+        <p:spPr>
+          <a:xfrm>
+            <a:off x="381000" y="685800"/>
+            <a:ext cx="6096000" cy="3429000"/>
+          </a:xfrm>
+        </p:spPr>
+      </p:sp>
+      <p:sp>
+        <p:nvSpPr>
+          <p:cNvPr id="3" name="Espaço Reservado para Anotações 2"/>
+          <p:cNvSpPr>
+            <a:spLocks noGrp="1"/>
+          </p:cNvSpPr>
+          <p:nvPr>
+            <p:ph type="body" idx="1"/>
+          </p:nvPr>
+        </p:nvSpPr>
+        <p:spPr/>
+        <p:txBody>
+          <a:bodyPr/>
+          <a:lstStyle/>
+          <a:p>
+            <a:endParaRPr lang="pt-BR"/>
+          </a:p>
+        </p:txBody>
+      </p:sp>
+      <p:sp>
+        <p:nvSpPr>
+          <p:cNvPr id="4" name="Espaço Reservado para Número de Slide 3"/>
+          <p:cNvSpPr>
+            <a:spLocks noGrp="1"/>
+          </p:cNvSpPr>
+          <p:nvPr>
+            <p:ph type="sldNum" sz="quarter" idx="5"/>
+          </p:nvPr>
+        </p:nvSpPr>
+        <p:spPr/>
+        <p:txBody>
+          <a:bodyPr/>
+          <a:lstStyle/>
+          <a:p>
+            <a:fld id="{96DB6BA2-C3E5-4F0B-8F94-37B966DF1357}" type="slidenum">
+              <a:rPr lang="pt-BR" smtClean="0"/>
+              <a:t>13</a:t>
+            </a:fld>
+            <a:endParaRPr lang="pt-BR"/>
+          </a:p>
+        </p:txBody>
+      </p:sp>
+    </p:spTree>
+    <p:extLst>
+      <p:ext uri="{BB962C8B-B14F-4D97-AF65-F5344CB8AC3E}">
+        <p14:creationId xmlns:p14="http://schemas.microsoft.com/office/powerpoint/2010/main" val="4084192990"/>
+      </p:ext>
+    </p:extLst>
+  </p:cSld>
+  <p:clrMapOvr>
+    <a:masterClrMapping/>
+  </p:clrMapOvr>
+</p:notes>
+</file>
+
+<file path=ppt/notesSlides/notesSlide12.xml><?xml version="1.0" encoding="utf-8"?>
 <p:notes xmlns:a="http://schemas.openxmlformats.org/drawingml/2006/main" xmlns:r="http://schemas.openxmlformats.org/officeDocument/2006/relationships" xmlns:p="http://schemas.openxmlformats.org/presentationml/2006/main" showMasterSp="0" showMasterPhAnim="0">
   <p:cSld>
     <p:spTree>
@@ -1043,7 +1133,7 @@
 </p:notes>
 </file>
 
-<file path=ppt/notesSlides/notesSlide12.xml><?xml version="1.0" encoding="utf-8"?>
+<file path=ppt/notesSlides/notesSlide13.xml><?xml version="1.0" encoding="utf-8"?>
 <p:notes xmlns:a="http://schemas.openxmlformats.org/drawingml/2006/main" xmlns:r="http://schemas.openxmlformats.org/officeDocument/2006/relationships" xmlns:p="http://schemas.openxmlformats.org/presentationml/2006/main">
   <p:cSld>
     <p:spTree>
@@ -1113,7 +1203,7 @@
           <a:p>
             <a:fld id="{96DB6BA2-C3E5-4F0B-8F94-37B966DF1357}" type="slidenum">
               <a:rPr lang="pt-BR" smtClean="0"/>
-              <a:t>14</a:t>
+              <a:t>15</a:t>
             </a:fld>
             <a:endParaRPr lang="pt-BR"/>
           </a:p>
@@ -1132,7 +1222,7 @@
 </p:notes>
 </file>
 
-<file path=ppt/notesSlides/notesSlide13.xml><?xml version="1.0" encoding="utf-8"?>
+<file path=ppt/notesSlides/notesSlide14.xml><?xml version="1.0" encoding="utf-8"?>
 <p:notes xmlns:a="http://schemas.openxmlformats.org/drawingml/2006/main" xmlns:r="http://schemas.openxmlformats.org/officeDocument/2006/relationships" xmlns:p="http://schemas.openxmlformats.org/presentationml/2006/main" showMasterSp="0" showMasterPhAnim="0">
   <p:cSld>
     <p:spTree>
@@ -1241,7 +1331,7 @@
 </p:notes>
 </file>
 
-<file path=ppt/notesSlides/notesSlide14.xml><?xml version="1.0" encoding="utf-8"?>
+<file path=ppt/notesSlides/notesSlide15.xml><?xml version="1.0" encoding="utf-8"?>
 <p:notes xmlns:a="http://schemas.openxmlformats.org/drawingml/2006/main" xmlns:r="http://schemas.openxmlformats.org/officeDocument/2006/relationships" xmlns:p="http://schemas.openxmlformats.org/presentationml/2006/main">
   <p:cSld>
     <p:spTree>
@@ -1311,7 +1401,7 @@
           <a:p>
             <a:fld id="{96DB6BA2-C3E5-4F0B-8F94-37B966DF1357}" type="slidenum">
               <a:rPr lang="pt-BR" smtClean="0"/>
-              <a:t>16</a:t>
+              <a:t>17</a:t>
             </a:fld>
             <a:endParaRPr lang="pt-BR"/>
           </a:p>
@@ -1321,115 +1411,6 @@
     <p:extLst>
       <p:ext uri="{BB962C8B-B14F-4D97-AF65-F5344CB8AC3E}">
         <p14:creationId xmlns:p14="http://schemas.microsoft.com/office/powerpoint/2010/main" val="4187456939"/>
-      </p:ext>
-    </p:extLst>
-  </p:cSld>
-  <p:clrMapOvr>
-    <a:masterClrMapping/>
-  </p:clrMapOvr>
-</p:notes>
-</file>
-
-<file path=ppt/notesSlides/notesSlide15.xml><?xml version="1.0" encoding="utf-8"?>
-<p:notes xmlns:a="http://schemas.openxmlformats.org/drawingml/2006/main" xmlns:r="http://schemas.openxmlformats.org/officeDocument/2006/relationships" xmlns:p="http://schemas.openxmlformats.org/presentationml/2006/main" showMasterSp="0" showMasterPhAnim="0">
-  <p:cSld>
-    <p:spTree>
-      <p:nvGrpSpPr>
-        <p:cNvPr id="1" name="Shape 279"/>
-        <p:cNvGrpSpPr/>
-        <p:nvPr/>
-      </p:nvGrpSpPr>
-      <p:grpSpPr>
-        <a:xfrm>
-          <a:off x="0" y="0"/>
-          <a:ext cx="0" cy="0"/>
-          <a:chOff x="0" y="0"/>
-          <a:chExt cx="0" cy="0"/>
-        </a:xfrm>
-      </p:grpSpPr>
-      <p:sp>
-        <p:nvSpPr>
-          <p:cNvPr id="280" name="Google Shape;280;gabb7873f9b_0_11:notes"/>
-          <p:cNvSpPr>
-            <a:spLocks noGrp="1" noRot="1" noChangeAspect="1"/>
-          </p:cNvSpPr>
-          <p:nvPr>
-            <p:ph type="sldImg" idx="2"/>
-          </p:nvPr>
-        </p:nvSpPr>
-        <p:spPr>
-          <a:xfrm>
-            <a:off x="381000" y="685800"/>
-            <a:ext cx="6096000" cy="3429000"/>
-          </a:xfrm>
-          <a:custGeom>
-            <a:avLst/>
-            <a:gdLst/>
-            <a:ahLst/>
-            <a:cxnLst/>
-            <a:rect l="l" t="t" r="r" b="b"/>
-            <a:pathLst>
-              <a:path w="120000" h="120000" extrusionOk="0">
-                <a:moveTo>
-                  <a:pt x="0" y="0"/>
-                </a:moveTo>
-                <a:lnTo>
-                  <a:pt x="120000" y="0"/>
-                </a:lnTo>
-                <a:lnTo>
-                  <a:pt x="120000" y="120000"/>
-                </a:lnTo>
-                <a:lnTo>
-                  <a:pt x="0" y="120000"/>
-                </a:lnTo>
-                <a:close/>
-              </a:path>
-            </a:pathLst>
-          </a:custGeom>
-        </p:spPr>
-      </p:sp>
-      <p:sp>
-        <p:nvSpPr>
-          <p:cNvPr id="281" name="Google Shape;281;gabb7873f9b_0_11:notes"/>
-          <p:cNvSpPr txBox="1">
-            <a:spLocks noGrp="1"/>
-          </p:cNvSpPr>
-          <p:nvPr>
-            <p:ph type="body" idx="1"/>
-          </p:nvPr>
-        </p:nvSpPr>
-        <p:spPr>
-          <a:xfrm>
-            <a:off x="685800" y="4343400"/>
-            <a:ext cx="5486400" cy="4114800"/>
-          </a:xfrm>
-          <a:prstGeom prst="rect">
-            <a:avLst/>
-          </a:prstGeom>
-        </p:spPr>
-        <p:txBody>
-          <a:bodyPr spcFirstLastPara="1" wrap="square" lIns="91425" tIns="91425" rIns="91425" bIns="91425" anchor="t" anchorCtr="0">
-            <a:noAutofit/>
-          </a:bodyPr>
-          <a:lstStyle/>
-          <a:p>
-            <a:pPr marL="0" lvl="0" indent="0" algn="l" rtl="0">
-              <a:spcBef>
-                <a:spcPts val="0"/>
-              </a:spcBef>
-              <a:spcAft>
-                <a:spcPts val="0"/>
-              </a:spcAft>
-              <a:buNone/>
-            </a:pPr>
-            <a:endParaRPr/>
-          </a:p>
-        </p:txBody>
-      </p:sp>
-    </p:spTree>
-    <p:extLst>
-      <p:ext uri="{BB962C8B-B14F-4D97-AF65-F5344CB8AC3E}">
-        <p14:creationId xmlns:p14="http://schemas.microsoft.com/office/powerpoint/2010/main" val="2609602001"/>
       </p:ext>
     </p:extLst>
   </p:cSld>
@@ -1538,6 +1519,115 @@
     </p:spTree>
     <p:extLst>
       <p:ext uri="{BB962C8B-B14F-4D97-AF65-F5344CB8AC3E}">
+        <p14:creationId xmlns:p14="http://schemas.microsoft.com/office/powerpoint/2010/main" val="2609602001"/>
+      </p:ext>
+    </p:extLst>
+  </p:cSld>
+  <p:clrMapOvr>
+    <a:masterClrMapping/>
+  </p:clrMapOvr>
+</p:notes>
+</file>
+
+<file path=ppt/notesSlides/notesSlide17.xml><?xml version="1.0" encoding="utf-8"?>
+<p:notes xmlns:a="http://schemas.openxmlformats.org/drawingml/2006/main" xmlns:r="http://schemas.openxmlformats.org/officeDocument/2006/relationships" xmlns:p="http://schemas.openxmlformats.org/presentationml/2006/main" showMasterSp="0" showMasterPhAnim="0">
+  <p:cSld>
+    <p:spTree>
+      <p:nvGrpSpPr>
+        <p:cNvPr id="1" name="Shape 279"/>
+        <p:cNvGrpSpPr/>
+        <p:nvPr/>
+      </p:nvGrpSpPr>
+      <p:grpSpPr>
+        <a:xfrm>
+          <a:off x="0" y="0"/>
+          <a:ext cx="0" cy="0"/>
+          <a:chOff x="0" y="0"/>
+          <a:chExt cx="0" cy="0"/>
+        </a:xfrm>
+      </p:grpSpPr>
+      <p:sp>
+        <p:nvSpPr>
+          <p:cNvPr id="280" name="Google Shape;280;gabb7873f9b_0_11:notes"/>
+          <p:cNvSpPr>
+            <a:spLocks noGrp="1" noRot="1" noChangeAspect="1"/>
+          </p:cNvSpPr>
+          <p:nvPr>
+            <p:ph type="sldImg" idx="2"/>
+          </p:nvPr>
+        </p:nvSpPr>
+        <p:spPr>
+          <a:xfrm>
+            <a:off x="381000" y="685800"/>
+            <a:ext cx="6096000" cy="3429000"/>
+          </a:xfrm>
+          <a:custGeom>
+            <a:avLst/>
+            <a:gdLst/>
+            <a:ahLst/>
+            <a:cxnLst/>
+            <a:rect l="l" t="t" r="r" b="b"/>
+            <a:pathLst>
+              <a:path w="120000" h="120000" extrusionOk="0">
+                <a:moveTo>
+                  <a:pt x="0" y="0"/>
+                </a:moveTo>
+                <a:lnTo>
+                  <a:pt x="120000" y="0"/>
+                </a:lnTo>
+                <a:lnTo>
+                  <a:pt x="120000" y="120000"/>
+                </a:lnTo>
+                <a:lnTo>
+                  <a:pt x="0" y="120000"/>
+                </a:lnTo>
+                <a:close/>
+              </a:path>
+            </a:pathLst>
+          </a:custGeom>
+        </p:spPr>
+      </p:sp>
+      <p:sp>
+        <p:nvSpPr>
+          <p:cNvPr id="281" name="Google Shape;281;gabb7873f9b_0_11:notes"/>
+          <p:cNvSpPr txBox="1">
+            <a:spLocks noGrp="1"/>
+          </p:cNvSpPr>
+          <p:nvPr>
+            <p:ph type="body" idx="1"/>
+          </p:nvPr>
+        </p:nvSpPr>
+        <p:spPr>
+          <a:xfrm>
+            <a:off x="685800" y="4343400"/>
+            <a:ext cx="5486400" cy="4114800"/>
+          </a:xfrm>
+          <a:prstGeom prst="rect">
+            <a:avLst/>
+          </a:prstGeom>
+        </p:spPr>
+        <p:txBody>
+          <a:bodyPr spcFirstLastPara="1" wrap="square" lIns="91425" tIns="91425" rIns="91425" bIns="91425" anchor="t" anchorCtr="0">
+            <a:noAutofit/>
+          </a:bodyPr>
+          <a:lstStyle/>
+          <a:p>
+            <a:pPr marL="0" lvl="0" indent="0" algn="l" rtl="0">
+              <a:spcBef>
+                <a:spcPts val="0"/>
+              </a:spcBef>
+              <a:spcAft>
+                <a:spcPts val="0"/>
+              </a:spcAft>
+              <a:buNone/>
+            </a:pPr>
+            <a:endParaRPr/>
+          </a:p>
+        </p:txBody>
+      </p:sp>
+    </p:spTree>
+    <p:extLst>
+      <p:ext uri="{BB962C8B-B14F-4D97-AF65-F5344CB8AC3E}">
         <p14:creationId xmlns:p14="http://schemas.microsoft.com/office/powerpoint/2010/main" val="2497267256"/>
       </p:ext>
     </p:extLst>
@@ -1548,7 +1638,7 @@
 </p:notes>
 </file>
 
-<file path=ppt/notesSlides/notesSlide17.xml><?xml version="1.0" encoding="utf-8"?>
+<file path=ppt/notesSlides/notesSlide18.xml><?xml version="1.0" encoding="utf-8"?>
 <p:notes xmlns:a="http://schemas.openxmlformats.org/drawingml/2006/main" xmlns:r="http://schemas.openxmlformats.org/officeDocument/2006/relationships" xmlns:p="http://schemas.openxmlformats.org/presentationml/2006/main" showMasterSp="0" showMasterPhAnim="0">
   <p:cSld>
     <p:spTree>
@@ -41965,6 +42055,459 @@
 <file path=ppt/slides/slide13.xml><?xml version="1.0" encoding="utf-8"?>
 <p:sld xmlns:a="http://schemas.openxmlformats.org/drawingml/2006/main" xmlns:r="http://schemas.openxmlformats.org/officeDocument/2006/relationships" xmlns:p="http://schemas.openxmlformats.org/presentationml/2006/main">
   <p:cSld>
+    <p:spTree>
+      <p:nvGrpSpPr>
+        <p:cNvPr id="1" name=""/>
+        <p:cNvGrpSpPr/>
+        <p:nvPr/>
+      </p:nvGrpSpPr>
+      <p:grpSpPr>
+        <a:xfrm>
+          <a:off x="0" y="0"/>
+          <a:ext cx="0" cy="0"/>
+          <a:chOff x="0" y="0"/>
+          <a:chExt cx="0" cy="0"/>
+        </a:xfrm>
+      </p:grpSpPr>
+      <p:pic>
+        <p:nvPicPr>
+          <p:cNvPr id="4" name="Imagem 3">
+            <a:extLst>
+              <a:ext uri="{FF2B5EF4-FFF2-40B4-BE49-F238E27FC236}">
+                <a16:creationId xmlns:a16="http://schemas.microsoft.com/office/drawing/2014/main" id="{5AB0D736-5D88-B2C3-5B08-95D46338B711}"/>
+              </a:ext>
+            </a:extLst>
+          </p:cNvPr>
+          <p:cNvPicPr>
+            <a:picLocks noChangeAspect="1"/>
+          </p:cNvPicPr>
+          <p:nvPr/>
+        </p:nvPicPr>
+        <p:blipFill>
+          <a:blip r:embed="rId3"/>
+          <a:stretch>
+            <a:fillRect/>
+          </a:stretch>
+        </p:blipFill>
+        <p:spPr>
+          <a:xfrm>
+            <a:off x="0" y="0"/>
+            <a:ext cx="9144000" cy="5085433"/>
+          </a:xfrm>
+          <a:prstGeom prst="rect">
+            <a:avLst/>
+          </a:prstGeom>
+        </p:spPr>
+      </p:pic>
+      <p:sp>
+        <p:nvSpPr>
+          <p:cNvPr id="7" name="Retângulo 6">
+            <a:extLst>
+              <a:ext uri="{FF2B5EF4-FFF2-40B4-BE49-F238E27FC236}">
+                <a16:creationId xmlns:a16="http://schemas.microsoft.com/office/drawing/2014/main" id="{479D7D1E-A036-41CF-0056-7C3BD8148423}"/>
+              </a:ext>
+            </a:extLst>
+          </p:cNvPr>
+          <p:cNvSpPr/>
+          <p:nvPr/>
+        </p:nvSpPr>
+        <p:spPr>
+          <a:xfrm>
+            <a:off x="-3" y="0"/>
+            <a:ext cx="9143999" cy="5143500"/>
+          </a:xfrm>
+          <a:prstGeom prst="rect">
+            <a:avLst/>
+          </a:prstGeom>
+          <a:solidFill>
+            <a:srgbClr val="000A39">
+              <a:alpha val="60000"/>
+            </a:srgbClr>
+          </a:solidFill>
+          <a:ln>
+            <a:noFill/>
+          </a:ln>
+        </p:spPr>
+        <p:style>
+          <a:lnRef idx="2">
+            <a:schemeClr val="accent1">
+              <a:shade val="50000"/>
+            </a:schemeClr>
+          </a:lnRef>
+          <a:fillRef idx="1">
+            <a:schemeClr val="accent1"/>
+          </a:fillRef>
+          <a:effectRef idx="0">
+            <a:schemeClr val="accent1"/>
+          </a:effectRef>
+          <a:fontRef idx="minor">
+            <a:schemeClr val="lt1"/>
+          </a:fontRef>
+        </p:style>
+        <p:txBody>
+          <a:bodyPr rtlCol="0" anchor="ctr"/>
+          <a:lstStyle/>
+          <a:p>
+            <a:pPr algn="ctr"/>
+            <a:endParaRPr lang="pt-BR" sz="1050" dirty="0"/>
+          </a:p>
+        </p:txBody>
+      </p:sp>
+      <p:sp>
+        <p:nvSpPr>
+          <p:cNvPr id="6" name="CaixaDeTexto 5">
+            <a:extLst>
+              <a:ext uri="{FF2B5EF4-FFF2-40B4-BE49-F238E27FC236}">
+                <a16:creationId xmlns:a16="http://schemas.microsoft.com/office/drawing/2014/main" id="{A0CCFEB4-6B5A-490D-A6F3-42E602E5E60A}"/>
+              </a:ext>
+            </a:extLst>
+          </p:cNvPr>
+          <p:cNvSpPr txBox="1"/>
+          <p:nvPr/>
+        </p:nvSpPr>
+        <p:spPr>
+          <a:xfrm>
+            <a:off x="2445519" y="395644"/>
+            <a:ext cx="4698608" cy="392415"/>
+          </a:xfrm>
+          <a:prstGeom prst="rect">
+            <a:avLst/>
+          </a:prstGeom>
+          <a:noFill/>
+        </p:spPr>
+        <p:txBody>
+          <a:bodyPr wrap="square" lIns="68580" tIns="34290" rIns="68580" bIns="34290" rtlCol="0" anchor="t">
+            <a:spAutoFit/>
+          </a:bodyPr>
+          <a:lstStyle/>
+          <a:p>
+            <a:pPr algn="ctr"/>
+            <a:endParaRPr lang="pt-BR" sz="2100">
+              <a:solidFill>
+                <a:srgbClr val="4DB0E6"/>
+              </a:solidFill>
+              <a:latin typeface="Montserrat Medium" panose="00000600000000000000" pitchFamily="2" charset="0"/>
+            </a:endParaRPr>
+          </a:p>
+        </p:txBody>
+      </p:sp>
+      <p:sp>
+        <p:nvSpPr>
+          <p:cNvPr id="10" name="CaixaDeTexto 5">
+            <a:extLst>
+              <a:ext uri="{FF2B5EF4-FFF2-40B4-BE49-F238E27FC236}">
+                <a16:creationId xmlns:a16="http://schemas.microsoft.com/office/drawing/2014/main" id="{12476903-D180-4590-B11F-287F6F871C9B}"/>
+              </a:ext>
+            </a:extLst>
+          </p:cNvPr>
+          <p:cNvSpPr txBox="1"/>
+          <p:nvPr/>
+        </p:nvSpPr>
+        <p:spPr>
+          <a:xfrm>
+            <a:off x="1" y="2104134"/>
+            <a:ext cx="9143999" cy="438582"/>
+          </a:xfrm>
+          <a:prstGeom prst="rect">
+            <a:avLst/>
+          </a:prstGeom>
+          <a:noFill/>
+        </p:spPr>
+        <p:txBody>
+          <a:bodyPr wrap="square" lIns="68580" tIns="34290" rIns="68580" bIns="34290" rtlCol="0" anchor="t">
+            <a:spAutoFit/>
+          </a:bodyPr>
+          <a:lstStyle>
+            <a:defPPr>
+              <a:defRPr lang="en-US"/>
+            </a:defPPr>
+            <a:lvl1pPr marL="0" algn="l" defTabSz="914400" rtl="0" eaLnBrk="1" latinLnBrk="0" hangingPunct="1">
+              <a:defRPr sz="1800" kern="1200">
+                <a:solidFill>
+                  <a:schemeClr val="tx1"/>
+                </a:solidFill>
+                <a:latin typeface="+mn-lt"/>
+                <a:ea typeface="+mn-ea"/>
+                <a:cs typeface="+mn-cs"/>
+              </a:defRPr>
+            </a:lvl1pPr>
+            <a:lvl2pPr marL="457200" algn="l" defTabSz="914400" rtl="0" eaLnBrk="1" latinLnBrk="0" hangingPunct="1">
+              <a:defRPr sz="1800" kern="1200">
+                <a:solidFill>
+                  <a:schemeClr val="tx1"/>
+                </a:solidFill>
+                <a:latin typeface="+mn-lt"/>
+                <a:ea typeface="+mn-ea"/>
+                <a:cs typeface="+mn-cs"/>
+              </a:defRPr>
+            </a:lvl2pPr>
+            <a:lvl3pPr marL="914400" algn="l" defTabSz="914400" rtl="0" eaLnBrk="1" latinLnBrk="0" hangingPunct="1">
+              <a:defRPr sz="1800" kern="1200">
+                <a:solidFill>
+                  <a:schemeClr val="tx1"/>
+                </a:solidFill>
+                <a:latin typeface="+mn-lt"/>
+                <a:ea typeface="+mn-ea"/>
+                <a:cs typeface="+mn-cs"/>
+              </a:defRPr>
+            </a:lvl3pPr>
+            <a:lvl4pPr marL="1371600" algn="l" defTabSz="914400" rtl="0" eaLnBrk="1" latinLnBrk="0" hangingPunct="1">
+              <a:defRPr sz="1800" kern="1200">
+                <a:solidFill>
+                  <a:schemeClr val="tx1"/>
+                </a:solidFill>
+                <a:latin typeface="+mn-lt"/>
+                <a:ea typeface="+mn-ea"/>
+                <a:cs typeface="+mn-cs"/>
+              </a:defRPr>
+            </a:lvl4pPr>
+            <a:lvl5pPr marL="1828800" algn="l" defTabSz="914400" rtl="0" eaLnBrk="1" latinLnBrk="0" hangingPunct="1">
+              <a:defRPr sz="1800" kern="1200">
+                <a:solidFill>
+                  <a:schemeClr val="tx1"/>
+                </a:solidFill>
+                <a:latin typeface="+mn-lt"/>
+                <a:ea typeface="+mn-ea"/>
+                <a:cs typeface="+mn-cs"/>
+              </a:defRPr>
+            </a:lvl5pPr>
+            <a:lvl6pPr marL="2286000" algn="l" defTabSz="914400" rtl="0" eaLnBrk="1" latinLnBrk="0" hangingPunct="1">
+              <a:defRPr sz="1800" kern="1200">
+                <a:solidFill>
+                  <a:schemeClr val="tx1"/>
+                </a:solidFill>
+                <a:latin typeface="+mn-lt"/>
+                <a:ea typeface="+mn-ea"/>
+                <a:cs typeface="+mn-cs"/>
+              </a:defRPr>
+            </a:lvl6pPr>
+            <a:lvl7pPr marL="2743200" algn="l" defTabSz="914400" rtl="0" eaLnBrk="1" latinLnBrk="0" hangingPunct="1">
+              <a:defRPr sz="1800" kern="1200">
+                <a:solidFill>
+                  <a:schemeClr val="tx1"/>
+                </a:solidFill>
+                <a:latin typeface="+mn-lt"/>
+                <a:ea typeface="+mn-ea"/>
+                <a:cs typeface="+mn-cs"/>
+              </a:defRPr>
+            </a:lvl7pPr>
+            <a:lvl8pPr marL="3200400" algn="l" defTabSz="914400" rtl="0" eaLnBrk="1" latinLnBrk="0" hangingPunct="1">
+              <a:defRPr sz="1800" kern="1200">
+                <a:solidFill>
+                  <a:schemeClr val="tx1"/>
+                </a:solidFill>
+                <a:latin typeface="+mn-lt"/>
+                <a:ea typeface="+mn-ea"/>
+                <a:cs typeface="+mn-cs"/>
+              </a:defRPr>
+            </a:lvl8pPr>
+            <a:lvl9pPr marL="3657600" algn="l" defTabSz="914400" rtl="0" eaLnBrk="1" latinLnBrk="0" hangingPunct="1">
+              <a:defRPr sz="1800" kern="1200">
+                <a:solidFill>
+                  <a:schemeClr val="tx1"/>
+                </a:solidFill>
+                <a:latin typeface="+mn-lt"/>
+                <a:ea typeface="+mn-ea"/>
+                <a:cs typeface="+mn-cs"/>
+              </a:defRPr>
+            </a:lvl9pPr>
+          </a:lstStyle>
+          <a:p>
+            <a:pPr algn="ctr"/>
+            <a:r>
+              <a:rPr lang="pt-BR" sz="2400" b="1" dirty="0">
+                <a:solidFill>
+                  <a:srgbClr val="599AF0"/>
+                </a:solidFill>
+                <a:latin typeface="Rajdhani"/>
+              </a:rPr>
+              <a:t>Lista de Requisitos</a:t>
+            </a:r>
+          </a:p>
+        </p:txBody>
+      </p:sp>
+    </p:spTree>
+    <p:extLst>
+      <p:ext uri="{BB962C8B-B14F-4D97-AF65-F5344CB8AC3E}">
+        <p14:creationId xmlns:p14="http://schemas.microsoft.com/office/powerpoint/2010/main" val="727116043"/>
+      </p:ext>
+    </p:extLst>
+  </p:cSld>
+  <p:clrMapOvr>
+    <a:masterClrMapping/>
+  </p:clrMapOvr>
+  <p:transition spd="med">
+    <p:pull/>
+  </p:transition>
+  <p:timing>
+    <p:tnLst>
+      <p:par>
+        <p:cTn id="1" dur="indefinite" restart="never" nodeType="tmRoot">
+          <p:childTnLst>
+            <p:seq concurrent="1" nextAc="seek">
+              <p:cTn id="2" dur="indefinite" nodeType="mainSeq">
+                <p:childTnLst>
+                  <p:par>
+                    <p:cTn id="3" fill="hold">
+                      <p:stCondLst>
+                        <p:cond delay="indefinite"/>
+                        <p:cond evt="onBegin" delay="0">
+                          <p:tn val="2"/>
+                        </p:cond>
+                      </p:stCondLst>
+                      <p:childTnLst>
+                        <p:par>
+                          <p:cTn id="4" fill="hold">
+                            <p:stCondLst>
+                              <p:cond delay="0"/>
+                            </p:stCondLst>
+                            <p:childTnLst>
+                              <p:par>
+                                <p:cTn id="5" presetID="10" presetClass="entr" presetSubtype="0" fill="hold" grpId="0" nodeType="withEffect">
+                                  <p:stCondLst>
+                                    <p:cond delay="0"/>
+                                  </p:stCondLst>
+                                  <p:childTnLst>
+                                    <p:set>
+                                      <p:cBhvr>
+                                        <p:cTn id="6" dur="1" fill="hold">
+                                          <p:stCondLst>
+                                            <p:cond delay="0"/>
+                                          </p:stCondLst>
+                                        </p:cTn>
+                                        <p:tgtEl>
+                                          <p:spTgt spid="7"/>
+                                        </p:tgtEl>
+                                        <p:attrNameLst>
+                                          <p:attrName>style.visibility</p:attrName>
+                                        </p:attrNameLst>
+                                      </p:cBhvr>
+                                      <p:to>
+                                        <p:strVal val="visible"/>
+                                      </p:to>
+                                    </p:set>
+                                    <p:animEffect transition="in" filter="fade">
+                                      <p:cBhvr>
+                                        <p:cTn id="7" dur="1500"/>
+                                        <p:tgtEl>
+                                          <p:spTgt spid="7"/>
+                                        </p:tgtEl>
+                                      </p:cBhvr>
+                                    </p:animEffect>
+                                  </p:childTnLst>
+                                </p:cTn>
+                              </p:par>
+                              <p:par>
+                                <p:cTn id="8" presetID="2" presetClass="entr" presetSubtype="1" fill="hold" grpId="0" nodeType="withEffect">
+                                  <p:stCondLst>
+                                    <p:cond delay="0"/>
+                                  </p:stCondLst>
+                                  <p:childTnLst>
+                                    <p:set>
+                                      <p:cBhvr>
+                                        <p:cTn id="9" dur="1" fill="hold">
+                                          <p:stCondLst>
+                                            <p:cond delay="0"/>
+                                          </p:stCondLst>
+                                        </p:cTn>
+                                        <p:tgtEl>
+                                          <p:spTgt spid="10"/>
+                                        </p:tgtEl>
+                                        <p:attrNameLst>
+                                          <p:attrName>style.visibility</p:attrName>
+                                        </p:attrNameLst>
+                                      </p:cBhvr>
+                                      <p:to>
+                                        <p:strVal val="visible"/>
+                                      </p:to>
+                                    </p:set>
+                                    <p:anim calcmode="lin" valueType="num">
+                                      <p:cBhvr additive="base">
+                                        <p:cTn id="10" dur="1500" fill="hold"/>
+                                        <p:tgtEl>
+                                          <p:spTgt spid="10"/>
+                                        </p:tgtEl>
+                                        <p:attrNameLst>
+                                          <p:attrName>ppt_x</p:attrName>
+                                        </p:attrNameLst>
+                                      </p:cBhvr>
+                                      <p:tavLst>
+                                        <p:tav tm="0">
+                                          <p:val>
+                                            <p:strVal val="#ppt_x"/>
+                                          </p:val>
+                                        </p:tav>
+                                        <p:tav tm="100000">
+                                          <p:val>
+                                            <p:strVal val="#ppt_x"/>
+                                          </p:val>
+                                        </p:tav>
+                                      </p:tavLst>
+                                    </p:anim>
+                                    <p:anim calcmode="lin" valueType="num">
+                                      <p:cBhvr additive="base">
+                                        <p:cTn id="11" dur="1500" fill="hold"/>
+                                        <p:tgtEl>
+                                          <p:spTgt spid="10"/>
+                                        </p:tgtEl>
+                                        <p:attrNameLst>
+                                          <p:attrName>ppt_y</p:attrName>
+                                        </p:attrNameLst>
+                                      </p:cBhvr>
+                                      <p:tavLst>
+                                        <p:tav tm="0">
+                                          <p:val>
+                                            <p:strVal val="0-#ppt_h/2"/>
+                                          </p:val>
+                                        </p:tav>
+                                        <p:tav tm="100000">
+                                          <p:val>
+                                            <p:strVal val="#ppt_y"/>
+                                          </p:val>
+                                        </p:tav>
+                                      </p:tavLst>
+                                    </p:anim>
+                                  </p:childTnLst>
+                                </p:cTn>
+                              </p:par>
+                            </p:childTnLst>
+                          </p:cTn>
+                        </p:par>
+                      </p:childTnLst>
+                    </p:cTn>
+                  </p:par>
+                </p:childTnLst>
+              </p:cTn>
+              <p:prevCondLst>
+                <p:cond evt="onPrev" delay="0">
+                  <p:tgtEl>
+                    <p:sldTgt/>
+                  </p:tgtEl>
+                </p:cond>
+              </p:prevCondLst>
+              <p:nextCondLst>
+                <p:cond evt="onNext" delay="0">
+                  <p:tgtEl>
+                    <p:sldTgt/>
+                  </p:tgtEl>
+                </p:cond>
+              </p:nextCondLst>
+            </p:seq>
+          </p:childTnLst>
+        </p:cTn>
+      </p:par>
+    </p:tnLst>
+    <p:bldLst>
+      <p:bldP spid="7" grpId="0" animBg="1"/>
+      <p:bldP spid="10" grpId="0"/>
+    </p:bldLst>
+  </p:timing>
+</p:sld>
+</file>
+
+<file path=ppt/slides/slide14.xml><?xml version="1.0" encoding="utf-8"?>
+<p:sld xmlns:a="http://schemas.openxmlformats.org/drawingml/2006/main" xmlns:r="http://schemas.openxmlformats.org/officeDocument/2006/relationships" xmlns:p="http://schemas.openxmlformats.org/presentationml/2006/main">
+  <p:cSld>
     <p:bg>
       <p:bgPr>
         <a:solidFill>
@@ -42182,7 +42725,7 @@
 </p:sld>
 </file>
 
-<file path=ppt/slides/slide14.xml><?xml version="1.0" encoding="utf-8"?>
+<file path=ppt/slides/slide15.xml><?xml version="1.0" encoding="utf-8"?>
 <p:sld xmlns:a="http://schemas.openxmlformats.org/drawingml/2006/main" xmlns:r="http://schemas.openxmlformats.org/officeDocument/2006/relationships" xmlns:p="http://schemas.openxmlformats.org/presentationml/2006/main">
   <p:cSld>
     <p:spTree>
@@ -42647,7 +43190,7 @@
 </p:sld>
 </file>
 
-<file path=ppt/slides/slide15.xml><?xml version="1.0" encoding="utf-8"?>
+<file path=ppt/slides/slide16.xml><?xml version="1.0" encoding="utf-8"?>
 <p:sld xmlns:a="http://schemas.openxmlformats.org/drawingml/2006/main" xmlns:r="http://schemas.openxmlformats.org/officeDocument/2006/relationships" xmlns:p="http://schemas.openxmlformats.org/presentationml/2006/main">
   <p:cSld>
     <p:bg>
@@ -43355,7 +43898,7 @@
 </p:sld>
 </file>
 
-<file path=ppt/slides/slide16.xml><?xml version="1.0" encoding="utf-8"?>
+<file path=ppt/slides/slide17.xml><?xml version="1.0" encoding="utf-8"?>
 <p:sld xmlns:a="http://schemas.openxmlformats.org/drawingml/2006/main" xmlns:r="http://schemas.openxmlformats.org/officeDocument/2006/relationships" xmlns:p="http://schemas.openxmlformats.org/presentationml/2006/main">
   <p:cSld>
     <p:spTree>
@@ -43855,7 +44398,7 @@
 </p:sld>
 </file>
 
-<file path=ppt/slides/slide17.xml><?xml version="1.0" encoding="utf-8"?>
+<file path=ppt/slides/slide18.xml><?xml version="1.0" encoding="utf-8"?>
 <p:sld xmlns:a="http://schemas.openxmlformats.org/drawingml/2006/main" xmlns:r="http://schemas.openxmlformats.org/officeDocument/2006/relationships" xmlns:p="http://schemas.openxmlformats.org/presentationml/2006/main">
   <p:cSld>
     <p:bg>
@@ -44075,7 +44618,7 @@
 </p:sld>
 </file>
 
-<file path=ppt/slides/slide18.xml><?xml version="1.0" encoding="utf-8"?>
+<file path=ppt/slides/slide19.xml><?xml version="1.0" encoding="utf-8"?>
 <p:sld xmlns:a="http://schemas.openxmlformats.org/drawingml/2006/main" xmlns:r="http://schemas.openxmlformats.org/officeDocument/2006/relationships" xmlns:p="http://schemas.openxmlformats.org/presentationml/2006/main">
   <p:cSld>
     <p:bg>
@@ -44311,196 +44854,6 @@
       </p:transition>
     </mc:Fallback>
   </mc:AlternateContent>
-</p:sld>
-</file>
-
-<file path=ppt/slides/slide19.xml><?xml version="1.0" encoding="utf-8"?>
-<p:sld xmlns:a="http://schemas.openxmlformats.org/drawingml/2006/main" xmlns:r="http://schemas.openxmlformats.org/officeDocument/2006/relationships" xmlns:p="http://schemas.openxmlformats.org/presentationml/2006/main">
-  <p:cSld>
-    <p:bg>
-      <p:bgPr>
-        <a:solidFill>
-          <a:schemeClr val="bg1"/>
-        </a:solidFill>
-        <a:effectLst/>
-      </p:bgPr>
-    </p:bg>
-    <p:spTree>
-      <p:nvGrpSpPr>
-        <p:cNvPr id="1" name="Shape 1020"/>
-        <p:cNvGrpSpPr/>
-        <p:nvPr/>
-      </p:nvGrpSpPr>
-      <p:grpSpPr>
-        <a:xfrm>
-          <a:off x="0" y="0"/>
-          <a:ext cx="0" cy="0"/>
-          <a:chOff x="0" y="0"/>
-          <a:chExt cx="0" cy="0"/>
-        </a:xfrm>
-      </p:grpSpPr>
-      <p:sp>
-        <p:nvSpPr>
-          <p:cNvPr id="1021" name="Google Shape;1021;p59"/>
-          <p:cNvSpPr txBox="1">
-            <a:spLocks noGrp="1"/>
-          </p:cNvSpPr>
-          <p:nvPr>
-            <p:ph type="title"/>
-          </p:nvPr>
-        </p:nvSpPr>
-        <p:spPr>
-          <a:xfrm>
-            <a:off x="713250" y="581858"/>
-            <a:ext cx="7717500" cy="755700"/>
-          </a:xfrm>
-          <a:prstGeom prst="rect">
-            <a:avLst/>
-          </a:prstGeom>
-        </p:spPr>
-        <p:txBody>
-          <a:bodyPr spcFirstLastPara="1" wrap="square" lIns="91425" tIns="91425" rIns="91425" bIns="91425" anchor="t" anchorCtr="0">
-            <a:noAutofit/>
-          </a:bodyPr>
-          <a:lstStyle/>
-          <a:p>
-            <a:pPr marL="0" lvl="0" indent="0" algn="ctr" rtl="0">
-              <a:spcBef>
-                <a:spcPts val="0"/>
-              </a:spcBef>
-              <a:spcAft>
-                <a:spcPts val="0"/>
-              </a:spcAft>
-              <a:buNone/>
-            </a:pPr>
-            <a:r>
-              <a:rPr lang="en" sz="4500" dirty="0">
-                <a:solidFill>
-                  <a:srgbClr val="000A39"/>
-                </a:solidFill>
-                <a:latin typeface="Tw Cen MT" panose="020B0602020104020603" pitchFamily="34" charset="0"/>
-              </a:rPr>
-              <a:t>Obrigado!</a:t>
-            </a:r>
-            <a:endParaRPr sz="4500" dirty="0">
-              <a:solidFill>
-                <a:srgbClr val="000A39"/>
-              </a:solidFill>
-              <a:latin typeface="Tw Cen MT" panose="020B0602020104020603" pitchFamily="34" charset="0"/>
-            </a:endParaRPr>
-          </a:p>
-        </p:txBody>
-      </p:sp>
-      <p:sp>
-        <p:nvSpPr>
-          <p:cNvPr id="1022" name="Google Shape;1022;p59"/>
-          <p:cNvSpPr txBox="1">
-            <a:spLocks noGrp="1"/>
-          </p:cNvSpPr>
-          <p:nvPr>
-            <p:ph type="subTitle" idx="1"/>
-          </p:nvPr>
-        </p:nvSpPr>
-        <p:spPr>
-          <a:xfrm>
-            <a:off x="713250" y="1862141"/>
-            <a:ext cx="7717500" cy="1205700"/>
-          </a:xfrm>
-          <a:prstGeom prst="rect">
-            <a:avLst/>
-          </a:prstGeom>
-        </p:spPr>
-        <p:txBody>
-          <a:bodyPr spcFirstLastPara="1" wrap="square" lIns="91425" tIns="91425" rIns="91425" bIns="91425" anchor="t" anchorCtr="0">
-            <a:noAutofit/>
-          </a:bodyPr>
-          <a:lstStyle/>
-          <a:p>
-            <a:pPr marL="0" lvl="0" indent="0" algn="ctr" rtl="0">
-              <a:spcBef>
-                <a:spcPts val="0"/>
-              </a:spcBef>
-              <a:spcAft>
-                <a:spcPts val="0"/>
-              </a:spcAft>
-              <a:buNone/>
-            </a:pPr>
-            <a:r>
-              <a:rPr lang="pt-BR" sz="2000" dirty="0">
-                <a:solidFill>
-                  <a:srgbClr val="000A39"/>
-                </a:solidFill>
-              </a:rPr>
-              <a:t>Agradecemos a compreensão e dedicação por nos ouvirem e principalmente, nos dar espaço para expor nossas ideias e projetos. Muito Obrigado!</a:t>
-            </a:r>
-            <a:endParaRPr sz="2000" dirty="0">
-              <a:solidFill>
-                <a:srgbClr val="000A39"/>
-              </a:solidFill>
-            </a:endParaRPr>
-          </a:p>
-        </p:txBody>
-      </p:sp>
-      <p:sp>
-        <p:nvSpPr>
-          <p:cNvPr id="2" name="Retângulo 1">
-            <a:extLst>
-              <a:ext uri="{FF2B5EF4-FFF2-40B4-BE49-F238E27FC236}">
-                <a16:creationId xmlns:a16="http://schemas.microsoft.com/office/drawing/2014/main" id="{FC0F3565-11C7-4CBC-9F9E-A8A56BB40420}"/>
-              </a:ext>
-            </a:extLst>
-          </p:cNvPr>
-          <p:cNvSpPr/>
-          <p:nvPr/>
-        </p:nvSpPr>
-        <p:spPr>
-          <a:xfrm>
-            <a:off x="1558602" y="3374689"/>
-            <a:ext cx="5933579" cy="1305511"/>
-          </a:xfrm>
-          <a:prstGeom prst="rect">
-            <a:avLst/>
-          </a:prstGeom>
-          <a:solidFill>
-            <a:schemeClr val="bg1"/>
-          </a:solidFill>
-          <a:ln>
-            <a:noFill/>
-          </a:ln>
-        </p:spPr>
-        <p:style>
-          <a:lnRef idx="2">
-            <a:schemeClr val="accent1">
-              <a:shade val="50000"/>
-            </a:schemeClr>
-          </a:lnRef>
-          <a:fillRef idx="1">
-            <a:schemeClr val="accent1"/>
-          </a:fillRef>
-          <a:effectRef idx="0">
-            <a:schemeClr val="accent1"/>
-          </a:effectRef>
-          <a:fontRef idx="minor">
-            <a:schemeClr val="lt1"/>
-          </a:fontRef>
-        </p:style>
-        <p:txBody>
-          <a:bodyPr rtlCol="0" anchor="ctr"/>
-          <a:lstStyle/>
-          <a:p>
-            <a:pPr algn="ctr"/>
-            <a:endParaRPr lang="pt-BR"/>
-          </a:p>
-        </p:txBody>
-      </p:sp>
-    </p:spTree>
-  </p:cSld>
-  <p:clrMapOvr>
-    <a:masterClrMapping/>
-  </p:clrMapOvr>
-  <p:transition spd="med">
-    <p:pull/>
-  </p:transition>
 </p:sld>
 </file>
 
@@ -45705,6 +46058,196 @@
       </p:par>
     </p:tnLst>
   </p:timing>
+</p:sld>
+</file>
+
+<file path=ppt/slides/slide20.xml><?xml version="1.0" encoding="utf-8"?>
+<p:sld xmlns:a="http://schemas.openxmlformats.org/drawingml/2006/main" xmlns:r="http://schemas.openxmlformats.org/officeDocument/2006/relationships" xmlns:p="http://schemas.openxmlformats.org/presentationml/2006/main">
+  <p:cSld>
+    <p:bg>
+      <p:bgPr>
+        <a:solidFill>
+          <a:schemeClr val="bg1"/>
+        </a:solidFill>
+        <a:effectLst/>
+      </p:bgPr>
+    </p:bg>
+    <p:spTree>
+      <p:nvGrpSpPr>
+        <p:cNvPr id="1" name="Shape 1020"/>
+        <p:cNvGrpSpPr/>
+        <p:nvPr/>
+      </p:nvGrpSpPr>
+      <p:grpSpPr>
+        <a:xfrm>
+          <a:off x="0" y="0"/>
+          <a:ext cx="0" cy="0"/>
+          <a:chOff x="0" y="0"/>
+          <a:chExt cx="0" cy="0"/>
+        </a:xfrm>
+      </p:grpSpPr>
+      <p:sp>
+        <p:nvSpPr>
+          <p:cNvPr id="1021" name="Google Shape;1021;p59"/>
+          <p:cNvSpPr txBox="1">
+            <a:spLocks noGrp="1"/>
+          </p:cNvSpPr>
+          <p:nvPr>
+            <p:ph type="title"/>
+          </p:nvPr>
+        </p:nvSpPr>
+        <p:spPr>
+          <a:xfrm>
+            <a:off x="713250" y="581858"/>
+            <a:ext cx="7717500" cy="755700"/>
+          </a:xfrm>
+          <a:prstGeom prst="rect">
+            <a:avLst/>
+          </a:prstGeom>
+        </p:spPr>
+        <p:txBody>
+          <a:bodyPr spcFirstLastPara="1" wrap="square" lIns="91425" tIns="91425" rIns="91425" bIns="91425" anchor="t" anchorCtr="0">
+            <a:noAutofit/>
+          </a:bodyPr>
+          <a:lstStyle/>
+          <a:p>
+            <a:pPr marL="0" lvl="0" indent="0" algn="ctr" rtl="0">
+              <a:spcBef>
+                <a:spcPts val="0"/>
+              </a:spcBef>
+              <a:spcAft>
+                <a:spcPts val="0"/>
+              </a:spcAft>
+              <a:buNone/>
+            </a:pPr>
+            <a:r>
+              <a:rPr lang="en" sz="4500" dirty="0">
+                <a:solidFill>
+                  <a:srgbClr val="000A39"/>
+                </a:solidFill>
+                <a:latin typeface="Tw Cen MT" panose="020B0602020104020603" pitchFamily="34" charset="0"/>
+              </a:rPr>
+              <a:t>Obrigado!</a:t>
+            </a:r>
+            <a:endParaRPr sz="4500" dirty="0">
+              <a:solidFill>
+                <a:srgbClr val="000A39"/>
+              </a:solidFill>
+              <a:latin typeface="Tw Cen MT" panose="020B0602020104020603" pitchFamily="34" charset="0"/>
+            </a:endParaRPr>
+          </a:p>
+        </p:txBody>
+      </p:sp>
+      <p:sp>
+        <p:nvSpPr>
+          <p:cNvPr id="1022" name="Google Shape;1022;p59"/>
+          <p:cNvSpPr txBox="1">
+            <a:spLocks noGrp="1"/>
+          </p:cNvSpPr>
+          <p:nvPr>
+            <p:ph type="subTitle" idx="1"/>
+          </p:nvPr>
+        </p:nvSpPr>
+        <p:spPr>
+          <a:xfrm>
+            <a:off x="713250" y="1862141"/>
+            <a:ext cx="7717500" cy="1205700"/>
+          </a:xfrm>
+          <a:prstGeom prst="rect">
+            <a:avLst/>
+          </a:prstGeom>
+        </p:spPr>
+        <p:txBody>
+          <a:bodyPr spcFirstLastPara="1" wrap="square" lIns="91425" tIns="91425" rIns="91425" bIns="91425" anchor="t" anchorCtr="0">
+            <a:noAutofit/>
+          </a:bodyPr>
+          <a:lstStyle/>
+          <a:p>
+            <a:pPr marL="0" lvl="0" indent="0" algn="ctr" rtl="0">
+              <a:spcBef>
+                <a:spcPts val="0"/>
+              </a:spcBef>
+              <a:spcAft>
+                <a:spcPts val="0"/>
+              </a:spcAft>
+              <a:buNone/>
+            </a:pPr>
+            <a:r>
+              <a:rPr lang="pt-BR" sz="2000" dirty="0">
+                <a:solidFill>
+                  <a:srgbClr val="000A39"/>
+                </a:solidFill>
+              </a:rPr>
+              <a:t>Agradecemos a compreensão e dedicação por nos ouvirem e principalmente, nos dar espaço para expor nossas ideias e projetos. Muito Obrigado!</a:t>
+            </a:r>
+            <a:endParaRPr sz="2000" dirty="0">
+              <a:solidFill>
+                <a:srgbClr val="000A39"/>
+              </a:solidFill>
+            </a:endParaRPr>
+          </a:p>
+        </p:txBody>
+      </p:sp>
+      <p:sp>
+        <p:nvSpPr>
+          <p:cNvPr id="2" name="Retângulo 1">
+            <a:extLst>
+              <a:ext uri="{FF2B5EF4-FFF2-40B4-BE49-F238E27FC236}">
+                <a16:creationId xmlns:a16="http://schemas.microsoft.com/office/drawing/2014/main" id="{FC0F3565-11C7-4CBC-9F9E-A8A56BB40420}"/>
+              </a:ext>
+            </a:extLst>
+          </p:cNvPr>
+          <p:cNvSpPr/>
+          <p:nvPr/>
+        </p:nvSpPr>
+        <p:spPr>
+          <a:xfrm>
+            <a:off x="1558602" y="3374689"/>
+            <a:ext cx="5933579" cy="1305511"/>
+          </a:xfrm>
+          <a:prstGeom prst="rect">
+            <a:avLst/>
+          </a:prstGeom>
+          <a:solidFill>
+            <a:schemeClr val="bg1"/>
+          </a:solidFill>
+          <a:ln>
+            <a:noFill/>
+          </a:ln>
+        </p:spPr>
+        <p:style>
+          <a:lnRef idx="2">
+            <a:schemeClr val="accent1">
+              <a:shade val="50000"/>
+            </a:schemeClr>
+          </a:lnRef>
+          <a:fillRef idx="1">
+            <a:schemeClr val="accent1"/>
+          </a:fillRef>
+          <a:effectRef idx="0">
+            <a:schemeClr val="accent1"/>
+          </a:effectRef>
+          <a:fontRef idx="minor">
+            <a:schemeClr val="lt1"/>
+          </a:fontRef>
+        </p:style>
+        <p:txBody>
+          <a:bodyPr rtlCol="0" anchor="ctr"/>
+          <a:lstStyle/>
+          <a:p>
+            <a:pPr algn="ctr"/>
+            <a:endParaRPr lang="pt-BR"/>
+          </a:p>
+        </p:txBody>
+      </p:sp>
+    </p:spTree>
+  </p:cSld>
+  <p:clrMapOvr>
+    <a:masterClrMapping/>
+  </p:clrMapOvr>
+  <p:transition spd="med">
+    <p:pull/>
+  </p:transition>
 </p:sld>
 </file>
 
@@ -51375,13 +51918,13 @@
   <p:clrMapOvr>
     <a:masterClrMapping/>
   </p:clrMapOvr>
-  <mc:AlternateContent xmlns:mc="http://schemas.openxmlformats.org/markup-compatibility/2006">
-    <mc:Choice xmlns:p14="http://schemas.microsoft.com/office/powerpoint/2010/main" Requires="p14">
+  <mc:AlternateContent xmlns:mc="http://schemas.openxmlformats.org/markup-compatibility/2006" xmlns:p14="http://schemas.microsoft.com/office/powerpoint/2010/main">
+    <mc:Choice Requires="p14">
       <p:transition spd="med" p14:dur="700">
         <p:fade/>
       </p:transition>
     </mc:Choice>
-    <mc:Fallback>
+    <mc:Fallback xmlns="">
       <p:transition spd="med">
         <p:fade/>
       </p:transition>

--- a/Documentos/AirData-Apresentacao (Sprint 1).pptx
+++ b/Documentos/AirData-Apresentacao (Sprint 1).pptx
@@ -5,7 +5,7 @@
     <p:sldMasterId id="2147483675" r:id="rId1"/>
   </p:sldMasterIdLst>
   <p:notesMasterIdLst>
-    <p:notesMasterId r:id="rId22"/>
+    <p:notesMasterId r:id="rId24"/>
   </p:notesMasterIdLst>
   <p:sldIdLst>
     <p:sldId id="313" r:id="rId2"/>
@@ -20,14 +20,16 @@
     <p:sldId id="319" r:id="rId11"/>
     <p:sldId id="334" r:id="rId12"/>
     <p:sldId id="335" r:id="rId13"/>
-    <p:sldId id="336" r:id="rId14"/>
-    <p:sldId id="320" r:id="rId15"/>
-    <p:sldId id="278" r:id="rId16"/>
-    <p:sldId id="322" r:id="rId17"/>
-    <p:sldId id="324" r:id="rId18"/>
-    <p:sldId id="325" r:id="rId19"/>
-    <p:sldId id="326" r:id="rId20"/>
-    <p:sldId id="285" r:id="rId21"/>
+    <p:sldId id="337" r:id="rId14"/>
+    <p:sldId id="338" r:id="rId15"/>
+    <p:sldId id="336" r:id="rId16"/>
+    <p:sldId id="320" r:id="rId17"/>
+    <p:sldId id="278" r:id="rId18"/>
+    <p:sldId id="322" r:id="rId19"/>
+    <p:sldId id="324" r:id="rId20"/>
+    <p:sldId id="325" r:id="rId21"/>
+    <p:sldId id="326" r:id="rId22"/>
+    <p:sldId id="285" r:id="rId23"/>
   </p:sldIdLst>
   <p:sldSz cx="9144000" cy="5143500" type="screen16x9"/>
   <p:notesSz cx="6858000" cy="9144000"/>
@@ -936,11 +938,11 @@
 </file>
 
 <file path=ppt/notesSlides/notesSlide11.xml><?xml version="1.0" encoding="utf-8"?>
-<p:notes xmlns:a="http://schemas.openxmlformats.org/drawingml/2006/main" xmlns:r="http://schemas.openxmlformats.org/officeDocument/2006/relationships" xmlns:p="http://schemas.openxmlformats.org/presentationml/2006/main">
+<p:notes xmlns:a="http://schemas.openxmlformats.org/drawingml/2006/main" xmlns:r="http://schemas.openxmlformats.org/officeDocument/2006/relationships" xmlns:p="http://schemas.openxmlformats.org/presentationml/2006/main" showMasterSp="0" showMasterPhAnim="0">
   <p:cSld>
     <p:spTree>
       <p:nvGrpSpPr>
-        <p:cNvPr id="1" name=""/>
+        <p:cNvPr id="1" name="Shape 279"/>
         <p:cNvGrpSpPr/>
         <p:nvPr/>
       </p:nvGrpSpPr>
@@ -954,12 +956,12 @@
       </p:grpSpPr>
       <p:sp>
         <p:nvSpPr>
-          <p:cNvPr id="2" name="Espaço Reservado para Imagem de Slide 1"/>
+          <p:cNvPr id="280" name="Google Shape;280;gabb7873f9b_0_11:notes"/>
           <p:cNvSpPr>
             <a:spLocks noGrp="1" noRot="1" noChangeAspect="1"/>
           </p:cNvSpPr>
           <p:nvPr>
-            <p:ph type="sldImg"/>
+            <p:ph type="sldImg" idx="2"/>
           </p:nvPr>
         </p:nvSpPr>
         <p:spPr>
@@ -967,54 +969,74 @@
             <a:off x="381000" y="685800"/>
             <a:ext cx="6096000" cy="3429000"/>
           </a:xfrm>
+          <a:custGeom>
+            <a:avLst/>
+            <a:gdLst/>
+            <a:ahLst/>
+            <a:cxnLst/>
+            <a:rect l="l" t="t" r="r" b="b"/>
+            <a:pathLst>
+              <a:path w="120000" h="120000" extrusionOk="0">
+                <a:moveTo>
+                  <a:pt x="0" y="0"/>
+                </a:moveTo>
+                <a:lnTo>
+                  <a:pt x="120000" y="0"/>
+                </a:lnTo>
+                <a:lnTo>
+                  <a:pt x="120000" y="120000"/>
+                </a:lnTo>
+                <a:lnTo>
+                  <a:pt x="0" y="120000"/>
+                </a:lnTo>
+                <a:close/>
+              </a:path>
+            </a:pathLst>
+          </a:custGeom>
         </p:spPr>
       </p:sp>
       <p:sp>
         <p:nvSpPr>
-          <p:cNvPr id="3" name="Espaço Reservado para Anotações 2"/>
-          <p:cNvSpPr>
+          <p:cNvPr id="281" name="Google Shape;281;gabb7873f9b_0_11:notes"/>
+          <p:cNvSpPr txBox="1">
             <a:spLocks noGrp="1"/>
           </p:cNvSpPr>
           <p:nvPr>
             <p:ph type="body" idx="1"/>
           </p:nvPr>
         </p:nvSpPr>
-        <p:spPr/>
+        <p:spPr>
+          <a:xfrm>
+            <a:off x="685800" y="4343400"/>
+            <a:ext cx="5486400" cy="4114800"/>
+          </a:xfrm>
+          <a:prstGeom prst="rect">
+            <a:avLst/>
+          </a:prstGeom>
+        </p:spPr>
         <p:txBody>
-          <a:bodyPr/>
+          <a:bodyPr spcFirstLastPara="1" wrap="square" lIns="91425" tIns="91425" rIns="91425" bIns="91425" anchor="t" anchorCtr="0">
+            <a:noAutofit/>
+          </a:bodyPr>
           <a:lstStyle/>
           <a:p>
-            <a:endParaRPr lang="pt-BR"/>
-          </a:p>
-        </p:txBody>
-      </p:sp>
-      <p:sp>
-        <p:nvSpPr>
-          <p:cNvPr id="4" name="Espaço Reservado para Número de Slide 3"/>
-          <p:cNvSpPr>
-            <a:spLocks noGrp="1"/>
-          </p:cNvSpPr>
-          <p:nvPr>
-            <p:ph type="sldNum" sz="quarter" idx="5"/>
-          </p:nvPr>
-        </p:nvSpPr>
-        <p:spPr/>
-        <p:txBody>
-          <a:bodyPr/>
-          <a:lstStyle/>
-          <a:p>
-            <a:fld id="{96DB6BA2-C3E5-4F0B-8F94-37B966DF1357}" type="slidenum">
-              <a:rPr lang="pt-BR" smtClean="0"/>
-              <a:t>13</a:t>
-            </a:fld>
-            <a:endParaRPr lang="pt-BR"/>
+            <a:pPr marL="0" lvl="0" indent="0" algn="l" rtl="0">
+              <a:spcBef>
+                <a:spcPts val="0"/>
+              </a:spcBef>
+              <a:spcAft>
+                <a:spcPts val="0"/>
+              </a:spcAft>
+              <a:buNone/>
+            </a:pPr>
+            <a:endParaRPr/>
           </a:p>
         </p:txBody>
       </p:sp>
     </p:spTree>
     <p:extLst>
       <p:ext uri="{BB962C8B-B14F-4D97-AF65-F5344CB8AC3E}">
-        <p14:creationId xmlns:p14="http://schemas.microsoft.com/office/powerpoint/2010/main" val="4084192990"/>
+        <p14:creationId xmlns:p14="http://schemas.microsoft.com/office/powerpoint/2010/main" val="911371286"/>
       </p:ext>
     </p:extLst>
   </p:cSld>
@@ -1123,7 +1145,7 @@
     </p:spTree>
     <p:extLst>
       <p:ext uri="{BB962C8B-B14F-4D97-AF65-F5344CB8AC3E}">
-        <p14:creationId xmlns:p14="http://schemas.microsoft.com/office/powerpoint/2010/main" val="2803170694"/>
+        <p14:creationId xmlns:p14="http://schemas.microsoft.com/office/powerpoint/2010/main" val="2051442947"/>
       </p:ext>
     </p:extLst>
   </p:cSld>
@@ -1212,7 +1234,7 @@
     </p:spTree>
     <p:extLst>
       <p:ext uri="{BB962C8B-B14F-4D97-AF65-F5344CB8AC3E}">
-        <p14:creationId xmlns:p14="http://schemas.microsoft.com/office/powerpoint/2010/main" val="1772884187"/>
+        <p14:creationId xmlns:p14="http://schemas.microsoft.com/office/powerpoint/2010/main" val="4084192990"/>
       </p:ext>
     </p:extLst>
   </p:cSld>
@@ -1321,7 +1343,7 @@
     </p:spTree>
     <p:extLst>
       <p:ext uri="{BB962C8B-B14F-4D97-AF65-F5344CB8AC3E}">
-        <p14:creationId xmlns:p14="http://schemas.microsoft.com/office/powerpoint/2010/main" val="308211197"/>
+        <p14:creationId xmlns:p14="http://schemas.microsoft.com/office/powerpoint/2010/main" val="2803170694"/>
       </p:ext>
     </p:extLst>
   </p:cSld>
@@ -1410,7 +1432,7 @@
     </p:spTree>
     <p:extLst>
       <p:ext uri="{BB962C8B-B14F-4D97-AF65-F5344CB8AC3E}">
-        <p14:creationId xmlns:p14="http://schemas.microsoft.com/office/powerpoint/2010/main" val="4187456939"/>
+        <p14:creationId xmlns:p14="http://schemas.microsoft.com/office/powerpoint/2010/main" val="1772884187"/>
       </p:ext>
     </p:extLst>
   </p:cSld>
@@ -1519,7 +1541,7 @@
     </p:spTree>
     <p:extLst>
       <p:ext uri="{BB962C8B-B14F-4D97-AF65-F5344CB8AC3E}">
-        <p14:creationId xmlns:p14="http://schemas.microsoft.com/office/powerpoint/2010/main" val="2609602001"/>
+        <p14:creationId xmlns:p14="http://schemas.microsoft.com/office/powerpoint/2010/main" val="308211197"/>
       </p:ext>
     </p:extLst>
   </p:cSld>
@@ -1530,6 +1552,95 @@
 </file>
 
 <file path=ppt/notesSlides/notesSlide17.xml><?xml version="1.0" encoding="utf-8"?>
+<p:notes xmlns:a="http://schemas.openxmlformats.org/drawingml/2006/main" xmlns:r="http://schemas.openxmlformats.org/officeDocument/2006/relationships" xmlns:p="http://schemas.openxmlformats.org/presentationml/2006/main">
+  <p:cSld>
+    <p:spTree>
+      <p:nvGrpSpPr>
+        <p:cNvPr id="1" name=""/>
+        <p:cNvGrpSpPr/>
+        <p:nvPr/>
+      </p:nvGrpSpPr>
+      <p:grpSpPr>
+        <a:xfrm>
+          <a:off x="0" y="0"/>
+          <a:ext cx="0" cy="0"/>
+          <a:chOff x="0" y="0"/>
+          <a:chExt cx="0" cy="0"/>
+        </a:xfrm>
+      </p:grpSpPr>
+      <p:sp>
+        <p:nvSpPr>
+          <p:cNvPr id="2" name="Espaço Reservado para Imagem de Slide 1"/>
+          <p:cNvSpPr>
+            <a:spLocks noGrp="1" noRot="1" noChangeAspect="1"/>
+          </p:cNvSpPr>
+          <p:nvPr>
+            <p:ph type="sldImg"/>
+          </p:nvPr>
+        </p:nvSpPr>
+        <p:spPr>
+          <a:xfrm>
+            <a:off x="381000" y="685800"/>
+            <a:ext cx="6096000" cy="3429000"/>
+          </a:xfrm>
+        </p:spPr>
+      </p:sp>
+      <p:sp>
+        <p:nvSpPr>
+          <p:cNvPr id="3" name="Espaço Reservado para Anotações 2"/>
+          <p:cNvSpPr>
+            <a:spLocks noGrp="1"/>
+          </p:cNvSpPr>
+          <p:nvPr>
+            <p:ph type="body" idx="1"/>
+          </p:nvPr>
+        </p:nvSpPr>
+        <p:spPr/>
+        <p:txBody>
+          <a:bodyPr/>
+          <a:lstStyle/>
+          <a:p>
+            <a:endParaRPr lang="pt-BR"/>
+          </a:p>
+        </p:txBody>
+      </p:sp>
+      <p:sp>
+        <p:nvSpPr>
+          <p:cNvPr id="4" name="Espaço Reservado para Número de Slide 3"/>
+          <p:cNvSpPr>
+            <a:spLocks noGrp="1"/>
+          </p:cNvSpPr>
+          <p:nvPr>
+            <p:ph type="sldNum" sz="quarter" idx="5"/>
+          </p:nvPr>
+        </p:nvSpPr>
+        <p:spPr/>
+        <p:txBody>
+          <a:bodyPr/>
+          <a:lstStyle/>
+          <a:p>
+            <a:fld id="{96DB6BA2-C3E5-4F0B-8F94-37B966DF1357}" type="slidenum">
+              <a:rPr lang="pt-BR" smtClean="0"/>
+              <a:t>19</a:t>
+            </a:fld>
+            <a:endParaRPr lang="pt-BR"/>
+          </a:p>
+        </p:txBody>
+      </p:sp>
+    </p:spTree>
+    <p:extLst>
+      <p:ext uri="{BB962C8B-B14F-4D97-AF65-F5344CB8AC3E}">
+        <p14:creationId xmlns:p14="http://schemas.microsoft.com/office/powerpoint/2010/main" val="4187456939"/>
+      </p:ext>
+    </p:extLst>
+  </p:cSld>
+  <p:clrMapOvr>
+    <a:masterClrMapping/>
+  </p:clrMapOvr>
+</p:notes>
+</file>
+
+<file path=ppt/notesSlides/notesSlide18.xml><?xml version="1.0" encoding="utf-8"?>
 <p:notes xmlns:a="http://schemas.openxmlformats.org/drawingml/2006/main" xmlns:r="http://schemas.openxmlformats.org/officeDocument/2006/relationships" xmlns:p="http://schemas.openxmlformats.org/presentationml/2006/main" showMasterSp="0" showMasterPhAnim="0">
   <p:cSld>
     <p:spTree>
@@ -1628,7 +1739,7 @@
     </p:spTree>
     <p:extLst>
       <p:ext uri="{BB962C8B-B14F-4D97-AF65-F5344CB8AC3E}">
-        <p14:creationId xmlns:p14="http://schemas.microsoft.com/office/powerpoint/2010/main" val="2497267256"/>
+        <p14:creationId xmlns:p14="http://schemas.microsoft.com/office/powerpoint/2010/main" val="2609602001"/>
       </p:ext>
     </p:extLst>
   </p:cSld>
@@ -1638,12 +1749,12 @@
 </p:notes>
 </file>
 
-<file path=ppt/notesSlides/notesSlide18.xml><?xml version="1.0" encoding="utf-8"?>
+<file path=ppt/notesSlides/notesSlide19.xml><?xml version="1.0" encoding="utf-8"?>
 <p:notes xmlns:a="http://schemas.openxmlformats.org/drawingml/2006/main" xmlns:r="http://schemas.openxmlformats.org/officeDocument/2006/relationships" xmlns:p="http://schemas.openxmlformats.org/presentationml/2006/main" showMasterSp="0" showMasterPhAnim="0">
   <p:cSld>
     <p:spTree>
       <p:nvGrpSpPr>
-        <p:cNvPr id="1" name="Shape 1017"/>
+        <p:cNvPr id="1" name="Shape 279"/>
         <p:cNvGrpSpPr/>
         <p:nvPr/>
       </p:nvGrpSpPr>
@@ -1657,7 +1768,7 @@
       </p:grpSpPr>
       <p:sp>
         <p:nvSpPr>
-          <p:cNvPr id="1018" name="Google Shape;1018;gaaee3e9d29_0_418:notes"/>
+          <p:cNvPr id="280" name="Google Shape;280;gabb7873f9b_0_11:notes"/>
           <p:cNvSpPr>
             <a:spLocks noGrp="1" noRot="1" noChangeAspect="1"/>
           </p:cNvSpPr>
@@ -1698,7 +1809,7 @@
       </p:sp>
       <p:sp>
         <p:nvSpPr>
-          <p:cNvPr id="1019" name="Google Shape;1019;gaaee3e9d29_0_418:notes"/>
+          <p:cNvPr id="281" name="Google Shape;281;gabb7873f9b_0_11:notes"/>
           <p:cNvSpPr txBox="1">
             <a:spLocks noGrp="1"/>
           </p:cNvSpPr>
@@ -1735,6 +1846,11 @@
         </p:txBody>
       </p:sp>
     </p:spTree>
+    <p:extLst>
+      <p:ext uri="{BB962C8B-B14F-4D97-AF65-F5344CB8AC3E}">
+        <p14:creationId xmlns:p14="http://schemas.microsoft.com/office/powerpoint/2010/main" val="2497267256"/>
+      </p:ext>
+    </p:extLst>
   </p:cSld>
   <p:clrMapOvr>
     <a:masterClrMapping/>
@@ -1803,6 +1919,110 @@
       <p:sp>
         <p:nvSpPr>
           <p:cNvPr id="1766" name="Google Shape;1766;g980b7881fd_3_2733:notes"/>
+          <p:cNvSpPr txBox="1">
+            <a:spLocks noGrp="1"/>
+          </p:cNvSpPr>
+          <p:nvPr>
+            <p:ph type="body" idx="1"/>
+          </p:nvPr>
+        </p:nvSpPr>
+        <p:spPr>
+          <a:xfrm>
+            <a:off x="685800" y="4343400"/>
+            <a:ext cx="5486400" cy="4114800"/>
+          </a:xfrm>
+          <a:prstGeom prst="rect">
+            <a:avLst/>
+          </a:prstGeom>
+        </p:spPr>
+        <p:txBody>
+          <a:bodyPr spcFirstLastPara="1" wrap="square" lIns="91425" tIns="91425" rIns="91425" bIns="91425" anchor="t" anchorCtr="0">
+            <a:noAutofit/>
+          </a:bodyPr>
+          <a:lstStyle/>
+          <a:p>
+            <a:pPr marL="0" lvl="0" indent="0" algn="l" rtl="0">
+              <a:spcBef>
+                <a:spcPts val="0"/>
+              </a:spcBef>
+              <a:spcAft>
+                <a:spcPts val="0"/>
+              </a:spcAft>
+              <a:buNone/>
+            </a:pPr>
+            <a:endParaRPr/>
+          </a:p>
+        </p:txBody>
+      </p:sp>
+    </p:spTree>
+  </p:cSld>
+  <p:clrMapOvr>
+    <a:masterClrMapping/>
+  </p:clrMapOvr>
+</p:notes>
+</file>
+
+<file path=ppt/notesSlides/notesSlide20.xml><?xml version="1.0" encoding="utf-8"?>
+<p:notes xmlns:a="http://schemas.openxmlformats.org/drawingml/2006/main" xmlns:r="http://schemas.openxmlformats.org/officeDocument/2006/relationships" xmlns:p="http://schemas.openxmlformats.org/presentationml/2006/main" showMasterSp="0" showMasterPhAnim="0">
+  <p:cSld>
+    <p:spTree>
+      <p:nvGrpSpPr>
+        <p:cNvPr id="1" name="Shape 1017"/>
+        <p:cNvGrpSpPr/>
+        <p:nvPr/>
+      </p:nvGrpSpPr>
+      <p:grpSpPr>
+        <a:xfrm>
+          <a:off x="0" y="0"/>
+          <a:ext cx="0" cy="0"/>
+          <a:chOff x="0" y="0"/>
+          <a:chExt cx="0" cy="0"/>
+        </a:xfrm>
+      </p:grpSpPr>
+      <p:sp>
+        <p:nvSpPr>
+          <p:cNvPr id="1018" name="Google Shape;1018;gaaee3e9d29_0_418:notes"/>
+          <p:cNvSpPr>
+            <a:spLocks noGrp="1" noRot="1" noChangeAspect="1"/>
+          </p:cNvSpPr>
+          <p:nvPr>
+            <p:ph type="sldImg" idx="2"/>
+          </p:nvPr>
+        </p:nvSpPr>
+        <p:spPr>
+          <a:xfrm>
+            <a:off x="381000" y="685800"/>
+            <a:ext cx="6096000" cy="3429000"/>
+          </a:xfrm>
+          <a:custGeom>
+            <a:avLst/>
+            <a:gdLst/>
+            <a:ahLst/>
+            <a:cxnLst/>
+            <a:rect l="l" t="t" r="r" b="b"/>
+            <a:pathLst>
+              <a:path w="120000" h="120000" extrusionOk="0">
+                <a:moveTo>
+                  <a:pt x="0" y="0"/>
+                </a:moveTo>
+                <a:lnTo>
+                  <a:pt x="120000" y="0"/>
+                </a:lnTo>
+                <a:lnTo>
+                  <a:pt x="120000" y="120000"/>
+                </a:lnTo>
+                <a:lnTo>
+                  <a:pt x="0" y="120000"/>
+                </a:lnTo>
+                <a:close/>
+              </a:path>
+            </a:pathLst>
+          </a:custGeom>
+        </p:spPr>
+      </p:sp>
+      <p:sp>
+        <p:nvSpPr>
+          <p:cNvPr id="1019" name="Google Shape;1019;gaaee3e9d29_0_418:notes"/>
           <p:cNvSpPr txBox="1">
             <a:spLocks noGrp="1"/>
           </p:cNvSpPr>
@@ -3116,7 +3336,7 @@
           <a:p>
             <a:fld id="{846CE7D5-CF57-46EF-B807-FDD0502418D4}" type="datetimeFigureOut">
               <a:rPr lang="en-US" smtClean="0"/>
-              <a:t>9/4/2022</a:t>
+              <a:t>9/5/2022</a:t>
             </a:fld>
             <a:endParaRPr lang="en-US"/>
           </a:p>
@@ -42055,6 +42275,842 @@
 <file path=ppt/slides/slide13.xml><?xml version="1.0" encoding="utf-8"?>
 <p:sld xmlns:a="http://schemas.openxmlformats.org/drawingml/2006/main" xmlns:r="http://schemas.openxmlformats.org/officeDocument/2006/relationships" xmlns:p="http://schemas.openxmlformats.org/presentationml/2006/main">
   <p:cSld>
+    <p:bg>
+      <p:bgPr>
+        <a:solidFill>
+          <a:schemeClr val="bg1"/>
+        </a:solidFill>
+        <a:effectLst/>
+      </p:bgPr>
+    </p:bg>
+    <p:spTree>
+      <p:nvGrpSpPr>
+        <p:cNvPr id="1" name="Shape 282"/>
+        <p:cNvGrpSpPr/>
+        <p:nvPr/>
+      </p:nvGrpSpPr>
+      <p:grpSpPr>
+        <a:xfrm>
+          <a:off x="0" y="0"/>
+          <a:ext cx="0" cy="0"/>
+          <a:chOff x="0" y="0"/>
+          <a:chExt cx="0" cy="0"/>
+        </a:xfrm>
+      </p:grpSpPr>
+      <p:sp>
+        <p:nvSpPr>
+          <p:cNvPr id="8" name="Google Shape;283;p36">
+            <a:extLst>
+              <a:ext uri="{FF2B5EF4-FFF2-40B4-BE49-F238E27FC236}">
+                <a16:creationId xmlns:a16="http://schemas.microsoft.com/office/drawing/2014/main" id="{F8693B13-D585-076B-A4B9-238487AC0273}"/>
+              </a:ext>
+            </a:extLst>
+          </p:cNvPr>
+          <p:cNvSpPr txBox="1">
+            <a:spLocks/>
+          </p:cNvSpPr>
+          <p:nvPr/>
+        </p:nvSpPr>
+        <p:spPr>
+          <a:xfrm>
+            <a:off x="359116" y="500908"/>
+            <a:ext cx="5858757" cy="719389"/>
+          </a:xfrm>
+          <a:prstGeom prst="rect">
+            <a:avLst/>
+          </a:prstGeom>
+          <a:noFill/>
+          <a:ln>
+            <a:noFill/>
+          </a:ln>
+        </p:spPr>
+        <p:txBody>
+          <a:bodyPr spcFirstLastPara="1" wrap="square" lIns="91425" tIns="91425" rIns="91425" bIns="91425" anchor="ctr" anchorCtr="0">
+            <a:noAutofit/>
+          </a:bodyPr>
+          <a:lstStyle>
+            <a:defPPr marR="0" lvl="0" algn="l" rtl="0">
+              <a:lnSpc>
+                <a:spcPct val="100000"/>
+              </a:lnSpc>
+              <a:spcBef>
+                <a:spcPts val="0"/>
+              </a:spcBef>
+              <a:spcAft>
+                <a:spcPts val="0"/>
+              </a:spcAft>
+            </a:defPPr>
+            <a:lvl1pPr marR="0" lvl="0" algn="l" rtl="0">
+              <a:lnSpc>
+                <a:spcPct val="80000"/>
+              </a:lnSpc>
+              <a:spcBef>
+                <a:spcPts val="0"/>
+              </a:spcBef>
+              <a:spcAft>
+                <a:spcPts val="0"/>
+              </a:spcAft>
+              <a:buClr>
+                <a:schemeClr val="dk1"/>
+              </a:buClr>
+              <a:buSzPts val="6000"/>
+              <a:buFont typeface="EB Garamond"/>
+              <a:buNone/>
+              <a:defRPr sz="5000" b="1" i="0" u="none" strike="noStrike" cap="none">
+                <a:solidFill>
+                  <a:schemeClr val="accent5"/>
+                </a:solidFill>
+                <a:latin typeface="EB Garamond"/>
+                <a:ea typeface="EB Garamond"/>
+                <a:cs typeface="EB Garamond"/>
+                <a:sym typeface="EB Garamond"/>
+              </a:defRPr>
+            </a:lvl1pPr>
+            <a:lvl2pPr marR="0" lvl="1" algn="l" rtl="0">
+              <a:lnSpc>
+                <a:spcPct val="100000"/>
+              </a:lnSpc>
+              <a:spcBef>
+                <a:spcPts val="0"/>
+              </a:spcBef>
+              <a:spcAft>
+                <a:spcPts val="0"/>
+              </a:spcAft>
+              <a:buClr>
+                <a:schemeClr val="dk1"/>
+              </a:buClr>
+              <a:buSzPts val="6000"/>
+              <a:buFont typeface="EB Garamond"/>
+              <a:buNone/>
+              <a:defRPr sz="6000" b="1" i="0" u="none" strike="noStrike" cap="none">
+                <a:solidFill>
+                  <a:schemeClr val="dk1"/>
+                </a:solidFill>
+                <a:latin typeface="EB Garamond"/>
+                <a:ea typeface="EB Garamond"/>
+                <a:cs typeface="EB Garamond"/>
+                <a:sym typeface="EB Garamond"/>
+              </a:defRPr>
+            </a:lvl2pPr>
+            <a:lvl3pPr marR="0" lvl="2" algn="l" rtl="0">
+              <a:lnSpc>
+                <a:spcPct val="100000"/>
+              </a:lnSpc>
+              <a:spcBef>
+                <a:spcPts val="0"/>
+              </a:spcBef>
+              <a:spcAft>
+                <a:spcPts val="0"/>
+              </a:spcAft>
+              <a:buClr>
+                <a:schemeClr val="dk1"/>
+              </a:buClr>
+              <a:buSzPts val="6000"/>
+              <a:buFont typeface="EB Garamond"/>
+              <a:buNone/>
+              <a:defRPr sz="6000" b="1" i="0" u="none" strike="noStrike" cap="none">
+                <a:solidFill>
+                  <a:schemeClr val="dk1"/>
+                </a:solidFill>
+                <a:latin typeface="EB Garamond"/>
+                <a:ea typeface="EB Garamond"/>
+                <a:cs typeface="EB Garamond"/>
+                <a:sym typeface="EB Garamond"/>
+              </a:defRPr>
+            </a:lvl3pPr>
+            <a:lvl4pPr marR="0" lvl="3" algn="l" rtl="0">
+              <a:lnSpc>
+                <a:spcPct val="100000"/>
+              </a:lnSpc>
+              <a:spcBef>
+                <a:spcPts val="0"/>
+              </a:spcBef>
+              <a:spcAft>
+                <a:spcPts val="0"/>
+              </a:spcAft>
+              <a:buClr>
+                <a:schemeClr val="dk1"/>
+              </a:buClr>
+              <a:buSzPts val="6000"/>
+              <a:buFont typeface="EB Garamond"/>
+              <a:buNone/>
+              <a:defRPr sz="6000" b="1" i="0" u="none" strike="noStrike" cap="none">
+                <a:solidFill>
+                  <a:schemeClr val="dk1"/>
+                </a:solidFill>
+                <a:latin typeface="EB Garamond"/>
+                <a:ea typeface="EB Garamond"/>
+                <a:cs typeface="EB Garamond"/>
+                <a:sym typeface="EB Garamond"/>
+              </a:defRPr>
+            </a:lvl4pPr>
+            <a:lvl5pPr marR="0" lvl="4" algn="l" rtl="0">
+              <a:lnSpc>
+                <a:spcPct val="100000"/>
+              </a:lnSpc>
+              <a:spcBef>
+                <a:spcPts val="0"/>
+              </a:spcBef>
+              <a:spcAft>
+                <a:spcPts val="0"/>
+              </a:spcAft>
+              <a:buClr>
+                <a:schemeClr val="dk1"/>
+              </a:buClr>
+              <a:buSzPts val="6000"/>
+              <a:buFont typeface="EB Garamond"/>
+              <a:buNone/>
+              <a:defRPr sz="6000" b="1" i="0" u="none" strike="noStrike" cap="none">
+                <a:solidFill>
+                  <a:schemeClr val="dk1"/>
+                </a:solidFill>
+                <a:latin typeface="EB Garamond"/>
+                <a:ea typeface="EB Garamond"/>
+                <a:cs typeface="EB Garamond"/>
+                <a:sym typeface="EB Garamond"/>
+              </a:defRPr>
+            </a:lvl5pPr>
+            <a:lvl6pPr marR="0" lvl="5" algn="l" rtl="0">
+              <a:lnSpc>
+                <a:spcPct val="100000"/>
+              </a:lnSpc>
+              <a:spcBef>
+                <a:spcPts val="0"/>
+              </a:spcBef>
+              <a:spcAft>
+                <a:spcPts val="0"/>
+              </a:spcAft>
+              <a:buClr>
+                <a:schemeClr val="dk1"/>
+              </a:buClr>
+              <a:buSzPts val="6000"/>
+              <a:buFont typeface="EB Garamond"/>
+              <a:buNone/>
+              <a:defRPr sz="6000" b="1" i="0" u="none" strike="noStrike" cap="none">
+                <a:solidFill>
+                  <a:schemeClr val="dk1"/>
+                </a:solidFill>
+                <a:latin typeface="EB Garamond"/>
+                <a:ea typeface="EB Garamond"/>
+                <a:cs typeface="EB Garamond"/>
+                <a:sym typeface="EB Garamond"/>
+              </a:defRPr>
+            </a:lvl6pPr>
+            <a:lvl7pPr marR="0" lvl="6" algn="l" rtl="0">
+              <a:lnSpc>
+                <a:spcPct val="100000"/>
+              </a:lnSpc>
+              <a:spcBef>
+                <a:spcPts val="0"/>
+              </a:spcBef>
+              <a:spcAft>
+                <a:spcPts val="0"/>
+              </a:spcAft>
+              <a:buClr>
+                <a:schemeClr val="dk1"/>
+              </a:buClr>
+              <a:buSzPts val="6000"/>
+              <a:buFont typeface="EB Garamond"/>
+              <a:buNone/>
+              <a:defRPr sz="6000" b="1" i="0" u="none" strike="noStrike" cap="none">
+                <a:solidFill>
+                  <a:schemeClr val="dk1"/>
+                </a:solidFill>
+                <a:latin typeface="EB Garamond"/>
+                <a:ea typeface="EB Garamond"/>
+                <a:cs typeface="EB Garamond"/>
+                <a:sym typeface="EB Garamond"/>
+              </a:defRPr>
+            </a:lvl7pPr>
+            <a:lvl8pPr marR="0" lvl="7" algn="l" rtl="0">
+              <a:lnSpc>
+                <a:spcPct val="100000"/>
+              </a:lnSpc>
+              <a:spcBef>
+                <a:spcPts val="0"/>
+              </a:spcBef>
+              <a:spcAft>
+                <a:spcPts val="0"/>
+              </a:spcAft>
+              <a:buClr>
+                <a:schemeClr val="dk1"/>
+              </a:buClr>
+              <a:buSzPts val="6000"/>
+              <a:buFont typeface="EB Garamond"/>
+              <a:buNone/>
+              <a:defRPr sz="6000" b="1" i="0" u="none" strike="noStrike" cap="none">
+                <a:solidFill>
+                  <a:schemeClr val="dk1"/>
+                </a:solidFill>
+                <a:latin typeface="EB Garamond"/>
+                <a:ea typeface="EB Garamond"/>
+                <a:cs typeface="EB Garamond"/>
+                <a:sym typeface="EB Garamond"/>
+              </a:defRPr>
+            </a:lvl8pPr>
+            <a:lvl9pPr marR="0" lvl="8" algn="l" rtl="0">
+              <a:lnSpc>
+                <a:spcPct val="100000"/>
+              </a:lnSpc>
+              <a:spcBef>
+                <a:spcPts val="0"/>
+              </a:spcBef>
+              <a:spcAft>
+                <a:spcPts val="0"/>
+              </a:spcAft>
+              <a:buClr>
+                <a:schemeClr val="dk1"/>
+              </a:buClr>
+              <a:buSzPts val="6000"/>
+              <a:buFont typeface="EB Garamond"/>
+              <a:buNone/>
+              <a:defRPr sz="6000" b="1" i="0" u="none" strike="noStrike" cap="none">
+                <a:solidFill>
+                  <a:schemeClr val="dk1"/>
+                </a:solidFill>
+                <a:latin typeface="EB Garamond"/>
+                <a:ea typeface="EB Garamond"/>
+                <a:cs typeface="EB Garamond"/>
+                <a:sym typeface="EB Garamond"/>
+              </a:defRPr>
+            </a:lvl9pPr>
+          </a:lstStyle>
+          <a:p>
+            <a:pPr>
+              <a:lnSpc>
+                <a:spcPct val="100000"/>
+              </a:lnSpc>
+              <a:buSzPts val="5200"/>
+            </a:pPr>
+            <a:br>
+              <a:rPr lang="pt-BR" dirty="0">
+                <a:solidFill>
+                  <a:schemeClr val="tx1"/>
+                </a:solidFill>
+                <a:latin typeface="Rajdhani"/>
+              </a:rPr>
+            </a:br>
+            <a:endParaRPr lang="pt-BR" dirty="0">
+              <a:solidFill>
+                <a:schemeClr val="tx1"/>
+              </a:solidFill>
+              <a:latin typeface="Rajdhani"/>
+            </a:endParaRPr>
+          </a:p>
+        </p:txBody>
+      </p:sp>
+      <p:pic>
+        <p:nvPicPr>
+          <p:cNvPr id="5" name="Gráfico 4">
+            <a:extLst>
+              <a:ext uri="{FF2B5EF4-FFF2-40B4-BE49-F238E27FC236}">
+                <a16:creationId xmlns:a16="http://schemas.microsoft.com/office/drawing/2014/main" id="{465C5D7A-E970-3F47-DE3E-382CF7AA779D}"/>
+              </a:ext>
+            </a:extLst>
+          </p:cNvPr>
+          <p:cNvPicPr>
+            <a:picLocks noChangeAspect="1"/>
+          </p:cNvPicPr>
+          <p:nvPr/>
+        </p:nvPicPr>
+        <p:blipFill>
+          <a:blip r:embed="rId3">
+            <a:alphaModFix amt="38000"/>
+            <a:extLst>
+              <a:ext uri="{96DAC541-7B7A-43D3-8B79-37D633B846F1}">
+                <asvg:svgBlip xmlns:asvg="http://schemas.microsoft.com/office/drawing/2016/SVG/main" r:embed="rId4"/>
+              </a:ext>
+            </a:extLst>
+          </a:blip>
+          <a:stretch>
+            <a:fillRect/>
+          </a:stretch>
+        </p:blipFill>
+        <p:spPr>
+          <a:xfrm>
+            <a:off x="217078" y="4356410"/>
+            <a:ext cx="787090" cy="787090"/>
+          </a:xfrm>
+          <a:prstGeom prst="rect">
+            <a:avLst/>
+          </a:prstGeom>
+        </p:spPr>
+      </p:pic>
+      <p:pic>
+        <p:nvPicPr>
+          <p:cNvPr id="6" name="Imagem 5" descr="Diagrama&#10;&#10;Descrição gerada automaticamente">
+            <a:extLst>
+              <a:ext uri="{FF2B5EF4-FFF2-40B4-BE49-F238E27FC236}">
+                <a16:creationId xmlns:a16="http://schemas.microsoft.com/office/drawing/2014/main" id="{FA3CD6A0-6232-C0D6-59FF-8626C77EC73F}"/>
+              </a:ext>
+            </a:extLst>
+          </p:cNvPr>
+          <p:cNvPicPr>
+            <a:picLocks noChangeAspect="1"/>
+          </p:cNvPicPr>
+          <p:nvPr/>
+        </p:nvPicPr>
+        <p:blipFill rotWithShape="1">
+          <a:blip r:embed="rId5"/>
+          <a:srcRect l="1207" t="2449" r="913" b="1412"/>
+          <a:stretch/>
+        </p:blipFill>
+        <p:spPr>
+          <a:xfrm>
+            <a:off x="1004168" y="600075"/>
+            <a:ext cx="7096845" cy="3893344"/>
+          </a:xfrm>
+          <a:prstGeom prst="rect">
+            <a:avLst/>
+          </a:prstGeom>
+        </p:spPr>
+      </p:pic>
+    </p:spTree>
+    <p:extLst>
+      <p:ext uri="{BB962C8B-B14F-4D97-AF65-F5344CB8AC3E}">
+        <p14:creationId xmlns:p14="http://schemas.microsoft.com/office/powerpoint/2010/main" val="103460517"/>
+      </p:ext>
+    </p:extLst>
+  </p:cSld>
+  <p:clrMapOvr>
+    <a:masterClrMapping/>
+  </p:clrMapOvr>
+  <mc:AlternateContent xmlns:mc="http://schemas.openxmlformats.org/markup-compatibility/2006">
+    <mc:Choice xmlns:p14="http://schemas.microsoft.com/office/powerpoint/2010/main" Requires="p14">
+      <p:transition spd="med" p14:dur="700">
+        <p:fade/>
+      </p:transition>
+    </mc:Choice>
+    <mc:Fallback>
+      <p:transition spd="med">
+        <p:fade/>
+      </p:transition>
+    </mc:Fallback>
+  </mc:AlternateContent>
+</p:sld>
+</file>
+
+<file path=ppt/slides/slide14.xml><?xml version="1.0" encoding="utf-8"?>
+<p:sld xmlns:a="http://schemas.openxmlformats.org/drawingml/2006/main" xmlns:r="http://schemas.openxmlformats.org/officeDocument/2006/relationships" xmlns:p="http://schemas.openxmlformats.org/presentationml/2006/main">
+  <p:cSld>
+    <p:bg>
+      <p:bgPr>
+        <a:solidFill>
+          <a:schemeClr val="bg1"/>
+        </a:solidFill>
+        <a:effectLst/>
+      </p:bgPr>
+    </p:bg>
+    <p:spTree>
+      <p:nvGrpSpPr>
+        <p:cNvPr id="1" name="Shape 282"/>
+        <p:cNvGrpSpPr/>
+        <p:nvPr/>
+      </p:nvGrpSpPr>
+      <p:grpSpPr>
+        <a:xfrm>
+          <a:off x="0" y="0"/>
+          <a:ext cx="0" cy="0"/>
+          <a:chOff x="0" y="0"/>
+          <a:chExt cx="0" cy="0"/>
+        </a:xfrm>
+      </p:grpSpPr>
+      <p:sp>
+        <p:nvSpPr>
+          <p:cNvPr id="8" name="Google Shape;283;p36">
+            <a:extLst>
+              <a:ext uri="{FF2B5EF4-FFF2-40B4-BE49-F238E27FC236}">
+                <a16:creationId xmlns:a16="http://schemas.microsoft.com/office/drawing/2014/main" id="{F8693B13-D585-076B-A4B9-238487AC0273}"/>
+              </a:ext>
+            </a:extLst>
+          </p:cNvPr>
+          <p:cNvSpPr txBox="1">
+            <a:spLocks/>
+          </p:cNvSpPr>
+          <p:nvPr/>
+        </p:nvSpPr>
+        <p:spPr>
+          <a:xfrm>
+            <a:off x="359116" y="500908"/>
+            <a:ext cx="5858757" cy="719389"/>
+          </a:xfrm>
+          <a:prstGeom prst="rect">
+            <a:avLst/>
+          </a:prstGeom>
+          <a:noFill/>
+          <a:ln>
+            <a:noFill/>
+          </a:ln>
+        </p:spPr>
+        <p:txBody>
+          <a:bodyPr spcFirstLastPara="1" wrap="square" lIns="91425" tIns="91425" rIns="91425" bIns="91425" anchor="ctr" anchorCtr="0">
+            <a:noAutofit/>
+          </a:bodyPr>
+          <a:lstStyle>
+            <a:defPPr marR="0" lvl="0" algn="l" rtl="0">
+              <a:lnSpc>
+                <a:spcPct val="100000"/>
+              </a:lnSpc>
+              <a:spcBef>
+                <a:spcPts val="0"/>
+              </a:spcBef>
+              <a:spcAft>
+                <a:spcPts val="0"/>
+              </a:spcAft>
+            </a:defPPr>
+            <a:lvl1pPr marR="0" lvl="0" algn="l" rtl="0">
+              <a:lnSpc>
+                <a:spcPct val="80000"/>
+              </a:lnSpc>
+              <a:spcBef>
+                <a:spcPts val="0"/>
+              </a:spcBef>
+              <a:spcAft>
+                <a:spcPts val="0"/>
+              </a:spcAft>
+              <a:buClr>
+                <a:schemeClr val="dk1"/>
+              </a:buClr>
+              <a:buSzPts val="6000"/>
+              <a:buFont typeface="EB Garamond"/>
+              <a:buNone/>
+              <a:defRPr sz="5000" b="1" i="0" u="none" strike="noStrike" cap="none">
+                <a:solidFill>
+                  <a:schemeClr val="accent5"/>
+                </a:solidFill>
+                <a:latin typeface="EB Garamond"/>
+                <a:ea typeface="EB Garamond"/>
+                <a:cs typeface="EB Garamond"/>
+                <a:sym typeface="EB Garamond"/>
+              </a:defRPr>
+            </a:lvl1pPr>
+            <a:lvl2pPr marR="0" lvl="1" algn="l" rtl="0">
+              <a:lnSpc>
+                <a:spcPct val="100000"/>
+              </a:lnSpc>
+              <a:spcBef>
+                <a:spcPts val="0"/>
+              </a:spcBef>
+              <a:spcAft>
+                <a:spcPts val="0"/>
+              </a:spcAft>
+              <a:buClr>
+                <a:schemeClr val="dk1"/>
+              </a:buClr>
+              <a:buSzPts val="6000"/>
+              <a:buFont typeface="EB Garamond"/>
+              <a:buNone/>
+              <a:defRPr sz="6000" b="1" i="0" u="none" strike="noStrike" cap="none">
+                <a:solidFill>
+                  <a:schemeClr val="dk1"/>
+                </a:solidFill>
+                <a:latin typeface="EB Garamond"/>
+                <a:ea typeface="EB Garamond"/>
+                <a:cs typeface="EB Garamond"/>
+                <a:sym typeface="EB Garamond"/>
+              </a:defRPr>
+            </a:lvl2pPr>
+            <a:lvl3pPr marR="0" lvl="2" algn="l" rtl="0">
+              <a:lnSpc>
+                <a:spcPct val="100000"/>
+              </a:lnSpc>
+              <a:spcBef>
+                <a:spcPts val="0"/>
+              </a:spcBef>
+              <a:spcAft>
+                <a:spcPts val="0"/>
+              </a:spcAft>
+              <a:buClr>
+                <a:schemeClr val="dk1"/>
+              </a:buClr>
+              <a:buSzPts val="6000"/>
+              <a:buFont typeface="EB Garamond"/>
+              <a:buNone/>
+              <a:defRPr sz="6000" b="1" i="0" u="none" strike="noStrike" cap="none">
+                <a:solidFill>
+                  <a:schemeClr val="dk1"/>
+                </a:solidFill>
+                <a:latin typeface="EB Garamond"/>
+                <a:ea typeface="EB Garamond"/>
+                <a:cs typeface="EB Garamond"/>
+                <a:sym typeface="EB Garamond"/>
+              </a:defRPr>
+            </a:lvl3pPr>
+            <a:lvl4pPr marR="0" lvl="3" algn="l" rtl="0">
+              <a:lnSpc>
+                <a:spcPct val="100000"/>
+              </a:lnSpc>
+              <a:spcBef>
+                <a:spcPts val="0"/>
+              </a:spcBef>
+              <a:spcAft>
+                <a:spcPts val="0"/>
+              </a:spcAft>
+              <a:buClr>
+                <a:schemeClr val="dk1"/>
+              </a:buClr>
+              <a:buSzPts val="6000"/>
+              <a:buFont typeface="EB Garamond"/>
+              <a:buNone/>
+              <a:defRPr sz="6000" b="1" i="0" u="none" strike="noStrike" cap="none">
+                <a:solidFill>
+                  <a:schemeClr val="dk1"/>
+                </a:solidFill>
+                <a:latin typeface="EB Garamond"/>
+                <a:ea typeface="EB Garamond"/>
+                <a:cs typeface="EB Garamond"/>
+                <a:sym typeface="EB Garamond"/>
+              </a:defRPr>
+            </a:lvl4pPr>
+            <a:lvl5pPr marR="0" lvl="4" algn="l" rtl="0">
+              <a:lnSpc>
+                <a:spcPct val="100000"/>
+              </a:lnSpc>
+              <a:spcBef>
+                <a:spcPts val="0"/>
+              </a:spcBef>
+              <a:spcAft>
+                <a:spcPts val="0"/>
+              </a:spcAft>
+              <a:buClr>
+                <a:schemeClr val="dk1"/>
+              </a:buClr>
+              <a:buSzPts val="6000"/>
+              <a:buFont typeface="EB Garamond"/>
+              <a:buNone/>
+              <a:defRPr sz="6000" b="1" i="0" u="none" strike="noStrike" cap="none">
+                <a:solidFill>
+                  <a:schemeClr val="dk1"/>
+                </a:solidFill>
+                <a:latin typeface="EB Garamond"/>
+                <a:ea typeface="EB Garamond"/>
+                <a:cs typeface="EB Garamond"/>
+                <a:sym typeface="EB Garamond"/>
+              </a:defRPr>
+            </a:lvl5pPr>
+            <a:lvl6pPr marR="0" lvl="5" algn="l" rtl="0">
+              <a:lnSpc>
+                <a:spcPct val="100000"/>
+              </a:lnSpc>
+              <a:spcBef>
+                <a:spcPts val="0"/>
+              </a:spcBef>
+              <a:spcAft>
+                <a:spcPts val="0"/>
+              </a:spcAft>
+              <a:buClr>
+                <a:schemeClr val="dk1"/>
+              </a:buClr>
+              <a:buSzPts val="6000"/>
+              <a:buFont typeface="EB Garamond"/>
+              <a:buNone/>
+              <a:defRPr sz="6000" b="1" i="0" u="none" strike="noStrike" cap="none">
+                <a:solidFill>
+                  <a:schemeClr val="dk1"/>
+                </a:solidFill>
+                <a:latin typeface="EB Garamond"/>
+                <a:ea typeface="EB Garamond"/>
+                <a:cs typeface="EB Garamond"/>
+                <a:sym typeface="EB Garamond"/>
+              </a:defRPr>
+            </a:lvl6pPr>
+            <a:lvl7pPr marR="0" lvl="6" algn="l" rtl="0">
+              <a:lnSpc>
+                <a:spcPct val="100000"/>
+              </a:lnSpc>
+              <a:spcBef>
+                <a:spcPts val="0"/>
+              </a:spcBef>
+              <a:spcAft>
+                <a:spcPts val="0"/>
+              </a:spcAft>
+              <a:buClr>
+                <a:schemeClr val="dk1"/>
+              </a:buClr>
+              <a:buSzPts val="6000"/>
+              <a:buFont typeface="EB Garamond"/>
+              <a:buNone/>
+              <a:defRPr sz="6000" b="1" i="0" u="none" strike="noStrike" cap="none">
+                <a:solidFill>
+                  <a:schemeClr val="dk1"/>
+                </a:solidFill>
+                <a:latin typeface="EB Garamond"/>
+                <a:ea typeface="EB Garamond"/>
+                <a:cs typeface="EB Garamond"/>
+                <a:sym typeface="EB Garamond"/>
+              </a:defRPr>
+            </a:lvl7pPr>
+            <a:lvl8pPr marR="0" lvl="7" algn="l" rtl="0">
+              <a:lnSpc>
+                <a:spcPct val="100000"/>
+              </a:lnSpc>
+              <a:spcBef>
+                <a:spcPts val="0"/>
+              </a:spcBef>
+              <a:spcAft>
+                <a:spcPts val="0"/>
+              </a:spcAft>
+              <a:buClr>
+                <a:schemeClr val="dk1"/>
+              </a:buClr>
+              <a:buSzPts val="6000"/>
+              <a:buFont typeface="EB Garamond"/>
+              <a:buNone/>
+              <a:defRPr sz="6000" b="1" i="0" u="none" strike="noStrike" cap="none">
+                <a:solidFill>
+                  <a:schemeClr val="dk1"/>
+                </a:solidFill>
+                <a:latin typeface="EB Garamond"/>
+                <a:ea typeface="EB Garamond"/>
+                <a:cs typeface="EB Garamond"/>
+                <a:sym typeface="EB Garamond"/>
+              </a:defRPr>
+            </a:lvl8pPr>
+            <a:lvl9pPr marR="0" lvl="8" algn="l" rtl="0">
+              <a:lnSpc>
+                <a:spcPct val="100000"/>
+              </a:lnSpc>
+              <a:spcBef>
+                <a:spcPts val="0"/>
+              </a:spcBef>
+              <a:spcAft>
+                <a:spcPts val="0"/>
+              </a:spcAft>
+              <a:buClr>
+                <a:schemeClr val="dk1"/>
+              </a:buClr>
+              <a:buSzPts val="6000"/>
+              <a:buFont typeface="EB Garamond"/>
+              <a:buNone/>
+              <a:defRPr sz="6000" b="1" i="0" u="none" strike="noStrike" cap="none">
+                <a:solidFill>
+                  <a:schemeClr val="dk1"/>
+                </a:solidFill>
+                <a:latin typeface="EB Garamond"/>
+                <a:ea typeface="EB Garamond"/>
+                <a:cs typeface="EB Garamond"/>
+                <a:sym typeface="EB Garamond"/>
+              </a:defRPr>
+            </a:lvl9pPr>
+          </a:lstStyle>
+          <a:p>
+            <a:pPr>
+              <a:lnSpc>
+                <a:spcPct val="100000"/>
+              </a:lnSpc>
+              <a:buSzPts val="5200"/>
+            </a:pPr>
+            <a:br>
+              <a:rPr lang="pt-BR" dirty="0">
+                <a:solidFill>
+                  <a:schemeClr val="tx1"/>
+                </a:solidFill>
+                <a:latin typeface="Rajdhani"/>
+              </a:rPr>
+            </a:br>
+            <a:endParaRPr lang="pt-BR" dirty="0">
+              <a:solidFill>
+                <a:schemeClr val="tx1"/>
+              </a:solidFill>
+              <a:latin typeface="Rajdhani"/>
+            </a:endParaRPr>
+          </a:p>
+        </p:txBody>
+      </p:sp>
+      <p:pic>
+        <p:nvPicPr>
+          <p:cNvPr id="5" name="Gráfico 4">
+            <a:extLst>
+              <a:ext uri="{FF2B5EF4-FFF2-40B4-BE49-F238E27FC236}">
+                <a16:creationId xmlns:a16="http://schemas.microsoft.com/office/drawing/2014/main" id="{465C5D7A-E970-3F47-DE3E-382CF7AA779D}"/>
+              </a:ext>
+            </a:extLst>
+          </p:cNvPr>
+          <p:cNvPicPr>
+            <a:picLocks noChangeAspect="1"/>
+          </p:cNvPicPr>
+          <p:nvPr/>
+        </p:nvPicPr>
+        <p:blipFill>
+          <a:blip r:embed="rId3">
+            <a:alphaModFix amt="38000"/>
+            <a:extLst>
+              <a:ext uri="{96DAC541-7B7A-43D3-8B79-37D633B846F1}">
+                <asvg:svgBlip xmlns:asvg="http://schemas.microsoft.com/office/drawing/2016/SVG/main" r:embed="rId4"/>
+              </a:ext>
+            </a:extLst>
+          </a:blip>
+          <a:stretch>
+            <a:fillRect/>
+          </a:stretch>
+        </p:blipFill>
+        <p:spPr>
+          <a:xfrm>
+            <a:off x="217078" y="4356410"/>
+            <a:ext cx="787090" cy="787090"/>
+          </a:xfrm>
+          <a:prstGeom prst="rect">
+            <a:avLst/>
+          </a:prstGeom>
+        </p:spPr>
+      </p:pic>
+      <p:pic>
+        <p:nvPicPr>
+          <p:cNvPr id="3" name="Imagem 2" descr="Uma imagem contendo Linha do tempo&#10;&#10;Descrição gerada automaticamente">
+            <a:extLst>
+              <a:ext uri="{FF2B5EF4-FFF2-40B4-BE49-F238E27FC236}">
+                <a16:creationId xmlns:a16="http://schemas.microsoft.com/office/drawing/2014/main" id="{B3C50F89-6F81-AE11-1115-D9663543D3DC}"/>
+              </a:ext>
+            </a:extLst>
+          </p:cNvPr>
+          <p:cNvPicPr>
+            <a:picLocks noChangeAspect="1"/>
+          </p:cNvPicPr>
+          <p:nvPr/>
+        </p:nvPicPr>
+        <p:blipFill rotWithShape="1">
+          <a:blip r:embed="rId5"/>
+          <a:srcRect l="478" t="-216" b="1512"/>
+          <a:stretch/>
+        </p:blipFill>
+        <p:spPr>
+          <a:xfrm>
+            <a:off x="1643062" y="315718"/>
+            <a:ext cx="6093619" cy="4512064"/>
+          </a:xfrm>
+          <a:prstGeom prst="rect">
+            <a:avLst/>
+          </a:prstGeom>
+        </p:spPr>
+      </p:pic>
+    </p:spTree>
+    <p:extLst>
+      <p:ext uri="{BB962C8B-B14F-4D97-AF65-F5344CB8AC3E}">
+        <p14:creationId xmlns:p14="http://schemas.microsoft.com/office/powerpoint/2010/main" val="117824332"/>
+      </p:ext>
+    </p:extLst>
+  </p:cSld>
+  <p:clrMapOvr>
+    <a:masterClrMapping/>
+  </p:clrMapOvr>
+  <mc:AlternateContent xmlns:mc="http://schemas.openxmlformats.org/markup-compatibility/2006">
+    <mc:Choice xmlns:p14="http://schemas.microsoft.com/office/powerpoint/2010/main" Requires="p14">
+      <p:transition spd="med" p14:dur="700">
+        <p:fade/>
+      </p:transition>
+    </mc:Choice>
+    <mc:Fallback>
+      <p:transition spd="med">
+        <p:fade/>
+      </p:transition>
+    </mc:Fallback>
+  </mc:AlternateContent>
+</p:sld>
+</file>
+
+<file path=ppt/slides/slide15.xml><?xml version="1.0" encoding="utf-8"?>
+<p:sld xmlns:a="http://schemas.openxmlformats.org/drawingml/2006/main" xmlns:r="http://schemas.openxmlformats.org/officeDocument/2006/relationships" xmlns:p="http://schemas.openxmlformats.org/presentationml/2006/main">
+  <p:cSld>
     <p:spTree>
       <p:nvGrpSpPr>
         <p:cNvPr id="1" name=""/>
@@ -42505,7 +43561,7 @@
 </p:sld>
 </file>
 
-<file path=ppt/slides/slide14.xml><?xml version="1.0" encoding="utf-8"?>
+<file path=ppt/slides/slide16.xml><?xml version="1.0" encoding="utf-8"?>
 <p:sld xmlns:a="http://schemas.openxmlformats.org/drawingml/2006/main" xmlns:r="http://schemas.openxmlformats.org/officeDocument/2006/relationships" xmlns:p="http://schemas.openxmlformats.org/presentationml/2006/main">
   <p:cSld>
     <p:bg>
@@ -42725,7 +43781,7 @@
 </p:sld>
 </file>
 
-<file path=ppt/slides/slide15.xml><?xml version="1.0" encoding="utf-8"?>
+<file path=ppt/slides/slide17.xml><?xml version="1.0" encoding="utf-8"?>
 <p:sld xmlns:a="http://schemas.openxmlformats.org/drawingml/2006/main" xmlns:r="http://schemas.openxmlformats.org/officeDocument/2006/relationships" xmlns:p="http://schemas.openxmlformats.org/presentationml/2006/main">
   <p:cSld>
     <p:spTree>
@@ -43190,7 +44246,7 @@
 </p:sld>
 </file>
 
-<file path=ppt/slides/slide16.xml><?xml version="1.0" encoding="utf-8"?>
+<file path=ppt/slides/slide18.xml><?xml version="1.0" encoding="utf-8"?>
 <p:sld xmlns:a="http://schemas.openxmlformats.org/drawingml/2006/main" xmlns:r="http://schemas.openxmlformats.org/officeDocument/2006/relationships" xmlns:p="http://schemas.openxmlformats.org/presentationml/2006/main">
   <p:cSld>
     <p:bg>
@@ -43898,7 +44954,7 @@
 </p:sld>
 </file>
 
-<file path=ppt/slides/slide17.xml><?xml version="1.0" encoding="utf-8"?>
+<file path=ppt/slides/slide19.xml><?xml version="1.0" encoding="utf-8"?>
 <p:sld xmlns:a="http://schemas.openxmlformats.org/drawingml/2006/main" xmlns:r="http://schemas.openxmlformats.org/officeDocument/2006/relationships" xmlns:p="http://schemas.openxmlformats.org/presentationml/2006/main">
   <p:cSld>
     <p:spTree>
@@ -44395,465 +45451,6 @@
       <p:bldP spid="10" grpId="0"/>
     </p:bldLst>
   </p:timing>
-</p:sld>
-</file>
-
-<file path=ppt/slides/slide18.xml><?xml version="1.0" encoding="utf-8"?>
-<p:sld xmlns:a="http://schemas.openxmlformats.org/drawingml/2006/main" xmlns:r="http://schemas.openxmlformats.org/officeDocument/2006/relationships" xmlns:p="http://schemas.openxmlformats.org/presentationml/2006/main">
-  <p:cSld>
-    <p:bg>
-      <p:bgPr>
-        <a:solidFill>
-          <a:schemeClr val="bg1"/>
-        </a:solidFill>
-        <a:effectLst/>
-      </p:bgPr>
-    </p:bg>
-    <p:spTree>
-      <p:nvGrpSpPr>
-        <p:cNvPr id="1" name="Shape 282"/>
-        <p:cNvGrpSpPr/>
-        <p:nvPr/>
-      </p:nvGrpSpPr>
-      <p:grpSpPr>
-        <a:xfrm>
-          <a:off x="0" y="0"/>
-          <a:ext cx="0" cy="0"/>
-          <a:chOff x="0" y="0"/>
-          <a:chExt cx="0" cy="0"/>
-        </a:xfrm>
-      </p:grpSpPr>
-      <p:sp>
-        <p:nvSpPr>
-          <p:cNvPr id="283" name="Google Shape;283;p36"/>
-          <p:cNvSpPr txBox="1">
-            <a:spLocks noGrp="1"/>
-          </p:cNvSpPr>
-          <p:nvPr>
-            <p:ph type="title"/>
-          </p:nvPr>
-        </p:nvSpPr>
-        <p:spPr>
-          <a:xfrm>
-            <a:off x="610623" y="1797003"/>
-            <a:ext cx="6102411" cy="1054200"/>
-          </a:xfrm>
-          <a:prstGeom prst="rect">
-            <a:avLst/>
-          </a:prstGeom>
-        </p:spPr>
-        <p:txBody>
-          <a:bodyPr spcFirstLastPara="1" wrap="square" lIns="91425" tIns="91425" rIns="91425" bIns="91425" anchor="ctr" anchorCtr="0">
-            <a:noAutofit/>
-          </a:bodyPr>
-          <a:lstStyle/>
-          <a:p>
-            <a:pPr>
-              <a:lnSpc>
-                <a:spcPct val="100000"/>
-              </a:lnSpc>
-              <a:buSzPts val="5200"/>
-            </a:pPr>
-            <a:r>
-              <a:rPr lang="pt-BR" dirty="0">
-                <a:solidFill>
-                  <a:schemeClr val="tx1"/>
-                </a:solidFill>
-                <a:latin typeface="Rajdhani"/>
-              </a:rPr>
-              <a:t>Help Desk (Slack)</a:t>
-            </a:r>
-          </a:p>
-        </p:txBody>
-      </p:sp>
-      <p:sp>
-        <p:nvSpPr>
-          <p:cNvPr id="284" name="Google Shape;284;p36"/>
-          <p:cNvSpPr txBox="1">
-            <a:spLocks noGrp="1"/>
-          </p:cNvSpPr>
-          <p:nvPr>
-            <p:ph type="title" idx="2"/>
-          </p:nvPr>
-        </p:nvSpPr>
-        <p:spPr>
-          <a:xfrm>
-            <a:off x="646607" y="1099145"/>
-            <a:ext cx="3858900" cy="853800"/>
-          </a:xfrm>
-          <a:prstGeom prst="rect">
-            <a:avLst/>
-          </a:prstGeom>
-        </p:spPr>
-        <p:txBody>
-          <a:bodyPr spcFirstLastPara="1" wrap="square" lIns="91425" tIns="91425" rIns="91425" bIns="91425" anchor="b" anchorCtr="0">
-            <a:noAutofit/>
-          </a:bodyPr>
-          <a:lstStyle/>
-          <a:p>
-            <a:pPr marL="0" lvl="0" indent="0" algn="l" rtl="0">
-              <a:spcBef>
-                <a:spcPts val="0"/>
-              </a:spcBef>
-              <a:spcAft>
-                <a:spcPts val="0"/>
-              </a:spcAft>
-              <a:buNone/>
-            </a:pPr>
-            <a:r>
-              <a:rPr lang="en" sz="5500" dirty="0">
-                <a:solidFill>
-                  <a:schemeClr val="tx1"/>
-                </a:solidFill>
-                <a:latin typeface="Rajdhani"/>
-              </a:rPr>
-              <a:t>05.</a:t>
-            </a:r>
-            <a:endParaRPr sz="5500" dirty="0">
-              <a:solidFill>
-                <a:schemeClr val="tx1"/>
-              </a:solidFill>
-              <a:latin typeface="Rajdhani"/>
-            </a:endParaRPr>
-          </a:p>
-        </p:txBody>
-      </p:sp>
-      <p:sp>
-        <p:nvSpPr>
-          <p:cNvPr id="3" name="CaixaDeTexto 2">
-            <a:extLst>
-              <a:ext uri="{FF2B5EF4-FFF2-40B4-BE49-F238E27FC236}">
-                <a16:creationId xmlns:a16="http://schemas.microsoft.com/office/drawing/2014/main" id="{D5A6C0B5-C6BF-CD54-964B-6DE2423D1747}"/>
-              </a:ext>
-            </a:extLst>
-          </p:cNvPr>
-          <p:cNvSpPr txBox="1"/>
-          <p:nvPr/>
-        </p:nvSpPr>
-        <p:spPr>
-          <a:xfrm>
-            <a:off x="610623" y="2924978"/>
-            <a:ext cx="3774470" cy="492443"/>
-          </a:xfrm>
-          <a:prstGeom prst="rect">
-            <a:avLst/>
-          </a:prstGeom>
-          <a:noFill/>
-        </p:spPr>
-        <p:txBody>
-          <a:bodyPr wrap="square" lIns="135000" rIns="135000">
-            <a:spAutoFit/>
-          </a:bodyPr>
-          <a:lstStyle/>
-          <a:p>
-            <a:r>
-              <a:rPr lang="pt-BR" sz="1300" dirty="0">
-                <a:latin typeface="Nunito" pitchFamily="2" charset="0"/>
-                <a:ea typeface="Verdana" panose="020B0604030504040204" pitchFamily="34" charset="0"/>
-              </a:rPr>
-              <a:t>Ferramentas para gestão de incidentes e sua aplicação no contexto do negócio </a:t>
-            </a:r>
-          </a:p>
-        </p:txBody>
-      </p:sp>
-      <p:pic>
-        <p:nvPicPr>
-          <p:cNvPr id="2" name="Gráfico 1">
-            <a:extLst>
-              <a:ext uri="{FF2B5EF4-FFF2-40B4-BE49-F238E27FC236}">
-                <a16:creationId xmlns:a16="http://schemas.microsoft.com/office/drawing/2014/main" id="{17ECDCA9-4360-EFCE-6C34-E949D6C5E957}"/>
-              </a:ext>
-            </a:extLst>
-          </p:cNvPr>
-          <p:cNvPicPr>
-            <a:picLocks noChangeAspect="1"/>
-          </p:cNvPicPr>
-          <p:nvPr/>
-        </p:nvPicPr>
-        <p:blipFill>
-          <a:blip r:embed="rId3">
-            <a:alphaModFix amt="38000"/>
-            <a:extLst>
-              <a:ext uri="{96DAC541-7B7A-43D3-8B79-37D633B846F1}">
-                <asvg:svgBlip xmlns:asvg="http://schemas.microsoft.com/office/drawing/2016/SVG/main" r:embed="rId4"/>
-              </a:ext>
-            </a:extLst>
-          </a:blip>
-          <a:stretch>
-            <a:fillRect/>
-          </a:stretch>
-        </p:blipFill>
-        <p:spPr>
-          <a:xfrm>
-            <a:off x="217078" y="4356410"/>
-            <a:ext cx="787090" cy="787090"/>
-          </a:xfrm>
-          <a:prstGeom prst="rect">
-            <a:avLst/>
-          </a:prstGeom>
-        </p:spPr>
-      </p:pic>
-    </p:spTree>
-    <p:extLst>
-      <p:ext uri="{BB962C8B-B14F-4D97-AF65-F5344CB8AC3E}">
-        <p14:creationId xmlns:p14="http://schemas.microsoft.com/office/powerpoint/2010/main" val="2769328273"/>
-      </p:ext>
-    </p:extLst>
-  </p:cSld>
-  <p:clrMapOvr>
-    <a:masterClrMapping/>
-  </p:clrMapOvr>
-  <mc:AlternateContent xmlns:mc="http://schemas.openxmlformats.org/markup-compatibility/2006" xmlns:p14="http://schemas.microsoft.com/office/powerpoint/2010/main">
-    <mc:Choice Requires="p14">
-      <p:transition spd="med" p14:dur="700">
-        <p:fade/>
-      </p:transition>
-    </mc:Choice>
-    <mc:Fallback xmlns="">
-      <p:transition spd="med">
-        <p:fade/>
-      </p:transition>
-    </mc:Fallback>
-  </mc:AlternateContent>
-</p:sld>
-</file>
-
-<file path=ppt/slides/slide19.xml><?xml version="1.0" encoding="utf-8"?>
-<p:sld xmlns:a="http://schemas.openxmlformats.org/drawingml/2006/main" xmlns:r="http://schemas.openxmlformats.org/officeDocument/2006/relationships" xmlns:p="http://schemas.openxmlformats.org/presentationml/2006/main">
-  <p:cSld>
-    <p:bg>
-      <p:bgPr>
-        <a:solidFill>
-          <a:schemeClr val="bg1"/>
-        </a:solidFill>
-        <a:effectLst/>
-      </p:bgPr>
-    </p:bg>
-    <p:spTree>
-      <p:nvGrpSpPr>
-        <p:cNvPr id="1" name="Shape 282"/>
-        <p:cNvGrpSpPr/>
-        <p:nvPr/>
-      </p:nvGrpSpPr>
-      <p:grpSpPr>
-        <a:xfrm>
-          <a:off x="0" y="0"/>
-          <a:ext cx="0" cy="0"/>
-          <a:chOff x="0" y="0"/>
-          <a:chExt cx="0" cy="0"/>
-        </a:xfrm>
-      </p:grpSpPr>
-      <p:sp>
-        <p:nvSpPr>
-          <p:cNvPr id="283" name="Google Shape;283;p36"/>
-          <p:cNvSpPr txBox="1">
-            <a:spLocks noGrp="1"/>
-          </p:cNvSpPr>
-          <p:nvPr>
-            <p:ph type="title"/>
-          </p:nvPr>
-        </p:nvSpPr>
-        <p:spPr>
-          <a:xfrm>
-            <a:off x="610623" y="1797003"/>
-            <a:ext cx="6102411" cy="1054200"/>
-          </a:xfrm>
-          <a:prstGeom prst="rect">
-            <a:avLst/>
-          </a:prstGeom>
-        </p:spPr>
-        <p:txBody>
-          <a:bodyPr spcFirstLastPara="1" wrap="square" lIns="91425" tIns="91425" rIns="91425" bIns="91425" anchor="ctr" anchorCtr="0">
-            <a:noAutofit/>
-          </a:bodyPr>
-          <a:lstStyle/>
-          <a:p>
-            <a:pPr>
-              <a:lnSpc>
-                <a:spcPct val="100000"/>
-              </a:lnSpc>
-              <a:buSzPts val="5200"/>
-            </a:pPr>
-            <a:r>
-              <a:rPr lang="pt-BR" dirty="0">
-                <a:solidFill>
-                  <a:schemeClr val="tx1"/>
-                </a:solidFill>
-                <a:latin typeface="Rajdhani"/>
-              </a:rPr>
-              <a:t>Conclusão</a:t>
-            </a:r>
-          </a:p>
-        </p:txBody>
-      </p:sp>
-      <p:sp>
-        <p:nvSpPr>
-          <p:cNvPr id="284" name="Google Shape;284;p36"/>
-          <p:cNvSpPr txBox="1">
-            <a:spLocks noGrp="1"/>
-          </p:cNvSpPr>
-          <p:nvPr>
-            <p:ph type="title" idx="2"/>
-          </p:nvPr>
-        </p:nvSpPr>
-        <p:spPr>
-          <a:xfrm>
-            <a:off x="646607" y="1099145"/>
-            <a:ext cx="3858900" cy="853800"/>
-          </a:xfrm>
-          <a:prstGeom prst="rect">
-            <a:avLst/>
-          </a:prstGeom>
-        </p:spPr>
-        <p:txBody>
-          <a:bodyPr spcFirstLastPara="1" wrap="square" lIns="91425" tIns="91425" rIns="91425" bIns="91425" anchor="b" anchorCtr="0">
-            <a:noAutofit/>
-          </a:bodyPr>
-          <a:lstStyle/>
-          <a:p>
-            <a:pPr marL="0" lvl="0" indent="0" algn="l" rtl="0">
-              <a:spcBef>
-                <a:spcPts val="0"/>
-              </a:spcBef>
-              <a:spcAft>
-                <a:spcPts val="0"/>
-              </a:spcAft>
-              <a:buNone/>
-            </a:pPr>
-            <a:r>
-              <a:rPr lang="en" sz="5500" dirty="0">
-                <a:solidFill>
-                  <a:schemeClr val="tx1"/>
-                </a:solidFill>
-                <a:latin typeface="Rajdhani"/>
-              </a:rPr>
-              <a:t>06.</a:t>
-            </a:r>
-            <a:endParaRPr sz="5500" dirty="0">
-              <a:solidFill>
-                <a:schemeClr val="tx1"/>
-              </a:solidFill>
-              <a:latin typeface="Rajdhani"/>
-            </a:endParaRPr>
-          </a:p>
-        </p:txBody>
-      </p:sp>
-      <p:pic>
-        <p:nvPicPr>
-          <p:cNvPr id="3" name="Gráfico 2">
-            <a:extLst>
-              <a:ext uri="{FF2B5EF4-FFF2-40B4-BE49-F238E27FC236}">
-                <a16:creationId xmlns:a16="http://schemas.microsoft.com/office/drawing/2014/main" id="{7D98E036-6FAD-3901-6676-1E82EF82430F}"/>
-              </a:ext>
-            </a:extLst>
-          </p:cNvPr>
-          <p:cNvPicPr>
-            <a:picLocks noChangeAspect="1"/>
-          </p:cNvPicPr>
-          <p:nvPr/>
-        </p:nvPicPr>
-        <p:blipFill>
-          <a:blip r:embed="rId3">
-            <a:alphaModFix amt="38000"/>
-            <a:extLst>
-              <a:ext uri="{96DAC541-7B7A-43D3-8B79-37D633B846F1}">
-                <asvg:svgBlip xmlns:asvg="http://schemas.microsoft.com/office/drawing/2016/SVG/main" r:embed="rId4"/>
-              </a:ext>
-            </a:extLst>
-          </a:blip>
-          <a:stretch>
-            <a:fillRect/>
-          </a:stretch>
-        </p:blipFill>
-        <p:spPr>
-          <a:xfrm>
-            <a:off x="217078" y="4356410"/>
-            <a:ext cx="787090" cy="787090"/>
-          </a:xfrm>
-          <a:prstGeom prst="rect">
-            <a:avLst/>
-          </a:prstGeom>
-        </p:spPr>
-      </p:pic>
-      <p:sp>
-        <p:nvSpPr>
-          <p:cNvPr id="4" name="CaixaDeTexto 3">
-            <a:extLst>
-              <a:ext uri="{FF2B5EF4-FFF2-40B4-BE49-F238E27FC236}">
-                <a16:creationId xmlns:a16="http://schemas.microsoft.com/office/drawing/2014/main" id="{47A18623-B6DB-5652-06AB-35F8E8D18BB7}"/>
-              </a:ext>
-            </a:extLst>
-          </p:cNvPr>
-          <p:cNvSpPr txBox="1"/>
-          <p:nvPr/>
-        </p:nvSpPr>
-        <p:spPr>
-          <a:xfrm>
-            <a:off x="646607" y="2924978"/>
-            <a:ext cx="7211034" cy="1169551"/>
-          </a:xfrm>
-          <a:prstGeom prst="rect">
-            <a:avLst/>
-          </a:prstGeom>
-          <a:noFill/>
-        </p:spPr>
-        <p:txBody>
-          <a:bodyPr wrap="square" lIns="135000" rIns="135000">
-            <a:spAutoFit/>
-          </a:bodyPr>
-          <a:lstStyle/>
-          <a:p>
-            <a:r>
-              <a:rPr lang="pt-BR" sz="1400" dirty="0">
-                <a:latin typeface="Nunito" pitchFamily="2" charset="0"/>
-                <a:ea typeface="Verdana" panose="020B0604030504040204" pitchFamily="34" charset="0"/>
-              </a:rPr>
-              <a:t>Com a modernização diária dos softwares e hardwares, as torres de controle ficam vulneráveis aos ataques virtuais</a:t>
-            </a:r>
-            <a:br>
-              <a:rPr lang="pt-BR" sz="1400" dirty="0">
-                <a:latin typeface="Nunito" pitchFamily="2" charset="0"/>
-                <a:ea typeface="Verdana" panose="020B0604030504040204" pitchFamily="34" charset="0"/>
-              </a:rPr>
-            </a:br>
-            <a:br>
-              <a:rPr lang="pt-BR" sz="1400" dirty="0">
-                <a:latin typeface="Nunito" pitchFamily="2" charset="0"/>
-                <a:ea typeface="Verdana" panose="020B0604030504040204" pitchFamily="34" charset="0"/>
-              </a:rPr>
-            </a:br>
-            <a:r>
-              <a:rPr lang="pt-BR" sz="1400" dirty="0">
-                <a:latin typeface="Nunito" pitchFamily="2" charset="0"/>
-                <a:ea typeface="Verdana" panose="020B0604030504040204" pitchFamily="34" charset="0"/>
-              </a:rPr>
-              <a:t>O uso contínuo das máquinas com alta demanda de processamento gera a necessidade de manutenção recorrente, porém não previsível</a:t>
-            </a:r>
-          </a:p>
-        </p:txBody>
-      </p:sp>
-    </p:spTree>
-    <p:extLst>
-      <p:ext uri="{BB962C8B-B14F-4D97-AF65-F5344CB8AC3E}">
-        <p14:creationId xmlns:p14="http://schemas.microsoft.com/office/powerpoint/2010/main" val="2126624325"/>
-      </p:ext>
-    </p:extLst>
-  </p:cSld>
-  <p:clrMapOvr>
-    <a:masterClrMapping/>
-  </p:clrMapOvr>
-  <mc:AlternateContent xmlns:mc="http://schemas.openxmlformats.org/markup-compatibility/2006" xmlns:p14="http://schemas.microsoft.com/office/powerpoint/2010/main">
-    <mc:Choice Requires="p14">
-      <p:transition spd="med" p14:dur="700">
-        <p:fade/>
-      </p:transition>
-    </mc:Choice>
-    <mc:Fallback xmlns="">
-      <p:transition spd="med">
-        <p:fade/>
-      </p:transition>
-    </mc:Fallback>
-  </mc:AlternateContent>
 </p:sld>
 </file>
 
@@ -46074,6 +46671,465 @@
     </p:bg>
     <p:spTree>
       <p:nvGrpSpPr>
+        <p:cNvPr id="1" name="Shape 282"/>
+        <p:cNvGrpSpPr/>
+        <p:nvPr/>
+      </p:nvGrpSpPr>
+      <p:grpSpPr>
+        <a:xfrm>
+          <a:off x="0" y="0"/>
+          <a:ext cx="0" cy="0"/>
+          <a:chOff x="0" y="0"/>
+          <a:chExt cx="0" cy="0"/>
+        </a:xfrm>
+      </p:grpSpPr>
+      <p:sp>
+        <p:nvSpPr>
+          <p:cNvPr id="283" name="Google Shape;283;p36"/>
+          <p:cNvSpPr txBox="1">
+            <a:spLocks noGrp="1"/>
+          </p:cNvSpPr>
+          <p:nvPr>
+            <p:ph type="title"/>
+          </p:nvPr>
+        </p:nvSpPr>
+        <p:spPr>
+          <a:xfrm>
+            <a:off x="610623" y="1797003"/>
+            <a:ext cx="6102411" cy="1054200"/>
+          </a:xfrm>
+          <a:prstGeom prst="rect">
+            <a:avLst/>
+          </a:prstGeom>
+        </p:spPr>
+        <p:txBody>
+          <a:bodyPr spcFirstLastPara="1" wrap="square" lIns="91425" tIns="91425" rIns="91425" bIns="91425" anchor="ctr" anchorCtr="0">
+            <a:noAutofit/>
+          </a:bodyPr>
+          <a:lstStyle/>
+          <a:p>
+            <a:pPr>
+              <a:lnSpc>
+                <a:spcPct val="100000"/>
+              </a:lnSpc>
+              <a:buSzPts val="5200"/>
+            </a:pPr>
+            <a:r>
+              <a:rPr lang="pt-BR" dirty="0">
+                <a:solidFill>
+                  <a:schemeClr val="tx1"/>
+                </a:solidFill>
+                <a:latin typeface="Rajdhani"/>
+              </a:rPr>
+              <a:t>Help Desk (Slack)</a:t>
+            </a:r>
+          </a:p>
+        </p:txBody>
+      </p:sp>
+      <p:sp>
+        <p:nvSpPr>
+          <p:cNvPr id="284" name="Google Shape;284;p36"/>
+          <p:cNvSpPr txBox="1">
+            <a:spLocks noGrp="1"/>
+          </p:cNvSpPr>
+          <p:nvPr>
+            <p:ph type="title" idx="2"/>
+          </p:nvPr>
+        </p:nvSpPr>
+        <p:spPr>
+          <a:xfrm>
+            <a:off x="646607" y="1099145"/>
+            <a:ext cx="3858900" cy="853800"/>
+          </a:xfrm>
+          <a:prstGeom prst="rect">
+            <a:avLst/>
+          </a:prstGeom>
+        </p:spPr>
+        <p:txBody>
+          <a:bodyPr spcFirstLastPara="1" wrap="square" lIns="91425" tIns="91425" rIns="91425" bIns="91425" anchor="b" anchorCtr="0">
+            <a:noAutofit/>
+          </a:bodyPr>
+          <a:lstStyle/>
+          <a:p>
+            <a:pPr marL="0" lvl="0" indent="0" algn="l" rtl="0">
+              <a:spcBef>
+                <a:spcPts val="0"/>
+              </a:spcBef>
+              <a:spcAft>
+                <a:spcPts val="0"/>
+              </a:spcAft>
+              <a:buNone/>
+            </a:pPr>
+            <a:r>
+              <a:rPr lang="en" sz="5500" dirty="0">
+                <a:solidFill>
+                  <a:schemeClr val="tx1"/>
+                </a:solidFill>
+                <a:latin typeface="Rajdhani"/>
+              </a:rPr>
+              <a:t>05.</a:t>
+            </a:r>
+            <a:endParaRPr sz="5500" dirty="0">
+              <a:solidFill>
+                <a:schemeClr val="tx1"/>
+              </a:solidFill>
+              <a:latin typeface="Rajdhani"/>
+            </a:endParaRPr>
+          </a:p>
+        </p:txBody>
+      </p:sp>
+      <p:sp>
+        <p:nvSpPr>
+          <p:cNvPr id="3" name="CaixaDeTexto 2">
+            <a:extLst>
+              <a:ext uri="{FF2B5EF4-FFF2-40B4-BE49-F238E27FC236}">
+                <a16:creationId xmlns:a16="http://schemas.microsoft.com/office/drawing/2014/main" id="{D5A6C0B5-C6BF-CD54-964B-6DE2423D1747}"/>
+              </a:ext>
+            </a:extLst>
+          </p:cNvPr>
+          <p:cNvSpPr txBox="1"/>
+          <p:nvPr/>
+        </p:nvSpPr>
+        <p:spPr>
+          <a:xfrm>
+            <a:off x="610623" y="2924978"/>
+            <a:ext cx="3774470" cy="492443"/>
+          </a:xfrm>
+          <a:prstGeom prst="rect">
+            <a:avLst/>
+          </a:prstGeom>
+          <a:noFill/>
+        </p:spPr>
+        <p:txBody>
+          <a:bodyPr wrap="square" lIns="135000" rIns="135000">
+            <a:spAutoFit/>
+          </a:bodyPr>
+          <a:lstStyle/>
+          <a:p>
+            <a:r>
+              <a:rPr lang="pt-BR" sz="1300" dirty="0">
+                <a:latin typeface="Nunito" pitchFamily="2" charset="0"/>
+                <a:ea typeface="Verdana" panose="020B0604030504040204" pitchFamily="34" charset="0"/>
+              </a:rPr>
+              <a:t>Ferramentas para gestão de incidentes e sua aplicação no contexto do negócio </a:t>
+            </a:r>
+          </a:p>
+        </p:txBody>
+      </p:sp>
+      <p:pic>
+        <p:nvPicPr>
+          <p:cNvPr id="2" name="Gráfico 1">
+            <a:extLst>
+              <a:ext uri="{FF2B5EF4-FFF2-40B4-BE49-F238E27FC236}">
+                <a16:creationId xmlns:a16="http://schemas.microsoft.com/office/drawing/2014/main" id="{17ECDCA9-4360-EFCE-6C34-E949D6C5E957}"/>
+              </a:ext>
+            </a:extLst>
+          </p:cNvPr>
+          <p:cNvPicPr>
+            <a:picLocks noChangeAspect="1"/>
+          </p:cNvPicPr>
+          <p:nvPr/>
+        </p:nvPicPr>
+        <p:blipFill>
+          <a:blip r:embed="rId3">
+            <a:alphaModFix amt="38000"/>
+            <a:extLst>
+              <a:ext uri="{96DAC541-7B7A-43D3-8B79-37D633B846F1}">
+                <asvg:svgBlip xmlns:asvg="http://schemas.microsoft.com/office/drawing/2016/SVG/main" r:embed="rId4"/>
+              </a:ext>
+            </a:extLst>
+          </a:blip>
+          <a:stretch>
+            <a:fillRect/>
+          </a:stretch>
+        </p:blipFill>
+        <p:spPr>
+          <a:xfrm>
+            <a:off x="217078" y="4356410"/>
+            <a:ext cx="787090" cy="787090"/>
+          </a:xfrm>
+          <a:prstGeom prst="rect">
+            <a:avLst/>
+          </a:prstGeom>
+        </p:spPr>
+      </p:pic>
+    </p:spTree>
+    <p:extLst>
+      <p:ext uri="{BB962C8B-B14F-4D97-AF65-F5344CB8AC3E}">
+        <p14:creationId xmlns:p14="http://schemas.microsoft.com/office/powerpoint/2010/main" val="2769328273"/>
+      </p:ext>
+    </p:extLst>
+  </p:cSld>
+  <p:clrMapOvr>
+    <a:masterClrMapping/>
+  </p:clrMapOvr>
+  <mc:AlternateContent xmlns:mc="http://schemas.openxmlformats.org/markup-compatibility/2006" xmlns:p14="http://schemas.microsoft.com/office/powerpoint/2010/main">
+    <mc:Choice Requires="p14">
+      <p:transition spd="med" p14:dur="700">
+        <p:fade/>
+      </p:transition>
+    </mc:Choice>
+    <mc:Fallback xmlns="">
+      <p:transition spd="med">
+        <p:fade/>
+      </p:transition>
+    </mc:Fallback>
+  </mc:AlternateContent>
+</p:sld>
+</file>
+
+<file path=ppt/slides/slide21.xml><?xml version="1.0" encoding="utf-8"?>
+<p:sld xmlns:a="http://schemas.openxmlformats.org/drawingml/2006/main" xmlns:r="http://schemas.openxmlformats.org/officeDocument/2006/relationships" xmlns:p="http://schemas.openxmlformats.org/presentationml/2006/main">
+  <p:cSld>
+    <p:bg>
+      <p:bgPr>
+        <a:solidFill>
+          <a:schemeClr val="bg1"/>
+        </a:solidFill>
+        <a:effectLst/>
+      </p:bgPr>
+    </p:bg>
+    <p:spTree>
+      <p:nvGrpSpPr>
+        <p:cNvPr id="1" name="Shape 282"/>
+        <p:cNvGrpSpPr/>
+        <p:nvPr/>
+      </p:nvGrpSpPr>
+      <p:grpSpPr>
+        <a:xfrm>
+          <a:off x="0" y="0"/>
+          <a:ext cx="0" cy="0"/>
+          <a:chOff x="0" y="0"/>
+          <a:chExt cx="0" cy="0"/>
+        </a:xfrm>
+      </p:grpSpPr>
+      <p:sp>
+        <p:nvSpPr>
+          <p:cNvPr id="283" name="Google Shape;283;p36"/>
+          <p:cNvSpPr txBox="1">
+            <a:spLocks noGrp="1"/>
+          </p:cNvSpPr>
+          <p:nvPr>
+            <p:ph type="title"/>
+          </p:nvPr>
+        </p:nvSpPr>
+        <p:spPr>
+          <a:xfrm>
+            <a:off x="610623" y="1797003"/>
+            <a:ext cx="6102411" cy="1054200"/>
+          </a:xfrm>
+          <a:prstGeom prst="rect">
+            <a:avLst/>
+          </a:prstGeom>
+        </p:spPr>
+        <p:txBody>
+          <a:bodyPr spcFirstLastPara="1" wrap="square" lIns="91425" tIns="91425" rIns="91425" bIns="91425" anchor="ctr" anchorCtr="0">
+            <a:noAutofit/>
+          </a:bodyPr>
+          <a:lstStyle/>
+          <a:p>
+            <a:pPr>
+              <a:lnSpc>
+                <a:spcPct val="100000"/>
+              </a:lnSpc>
+              <a:buSzPts val="5200"/>
+            </a:pPr>
+            <a:r>
+              <a:rPr lang="pt-BR" dirty="0">
+                <a:solidFill>
+                  <a:schemeClr val="tx1"/>
+                </a:solidFill>
+                <a:latin typeface="Rajdhani"/>
+              </a:rPr>
+              <a:t>Conclusão</a:t>
+            </a:r>
+          </a:p>
+        </p:txBody>
+      </p:sp>
+      <p:sp>
+        <p:nvSpPr>
+          <p:cNvPr id="284" name="Google Shape;284;p36"/>
+          <p:cNvSpPr txBox="1">
+            <a:spLocks noGrp="1"/>
+          </p:cNvSpPr>
+          <p:nvPr>
+            <p:ph type="title" idx="2"/>
+          </p:nvPr>
+        </p:nvSpPr>
+        <p:spPr>
+          <a:xfrm>
+            <a:off x="646607" y="1099145"/>
+            <a:ext cx="3858900" cy="853800"/>
+          </a:xfrm>
+          <a:prstGeom prst="rect">
+            <a:avLst/>
+          </a:prstGeom>
+        </p:spPr>
+        <p:txBody>
+          <a:bodyPr spcFirstLastPara="1" wrap="square" lIns="91425" tIns="91425" rIns="91425" bIns="91425" anchor="b" anchorCtr="0">
+            <a:noAutofit/>
+          </a:bodyPr>
+          <a:lstStyle/>
+          <a:p>
+            <a:pPr marL="0" lvl="0" indent="0" algn="l" rtl="0">
+              <a:spcBef>
+                <a:spcPts val="0"/>
+              </a:spcBef>
+              <a:spcAft>
+                <a:spcPts val="0"/>
+              </a:spcAft>
+              <a:buNone/>
+            </a:pPr>
+            <a:r>
+              <a:rPr lang="en" sz="5500" dirty="0">
+                <a:solidFill>
+                  <a:schemeClr val="tx1"/>
+                </a:solidFill>
+                <a:latin typeface="Rajdhani"/>
+              </a:rPr>
+              <a:t>06.</a:t>
+            </a:r>
+            <a:endParaRPr sz="5500" dirty="0">
+              <a:solidFill>
+                <a:schemeClr val="tx1"/>
+              </a:solidFill>
+              <a:latin typeface="Rajdhani"/>
+            </a:endParaRPr>
+          </a:p>
+        </p:txBody>
+      </p:sp>
+      <p:pic>
+        <p:nvPicPr>
+          <p:cNvPr id="3" name="Gráfico 2">
+            <a:extLst>
+              <a:ext uri="{FF2B5EF4-FFF2-40B4-BE49-F238E27FC236}">
+                <a16:creationId xmlns:a16="http://schemas.microsoft.com/office/drawing/2014/main" id="{7D98E036-6FAD-3901-6676-1E82EF82430F}"/>
+              </a:ext>
+            </a:extLst>
+          </p:cNvPr>
+          <p:cNvPicPr>
+            <a:picLocks noChangeAspect="1"/>
+          </p:cNvPicPr>
+          <p:nvPr/>
+        </p:nvPicPr>
+        <p:blipFill>
+          <a:blip r:embed="rId3">
+            <a:alphaModFix amt="38000"/>
+            <a:extLst>
+              <a:ext uri="{96DAC541-7B7A-43D3-8B79-37D633B846F1}">
+                <asvg:svgBlip xmlns:asvg="http://schemas.microsoft.com/office/drawing/2016/SVG/main" r:embed="rId4"/>
+              </a:ext>
+            </a:extLst>
+          </a:blip>
+          <a:stretch>
+            <a:fillRect/>
+          </a:stretch>
+        </p:blipFill>
+        <p:spPr>
+          <a:xfrm>
+            <a:off x="217078" y="4356410"/>
+            <a:ext cx="787090" cy="787090"/>
+          </a:xfrm>
+          <a:prstGeom prst="rect">
+            <a:avLst/>
+          </a:prstGeom>
+        </p:spPr>
+      </p:pic>
+      <p:sp>
+        <p:nvSpPr>
+          <p:cNvPr id="4" name="CaixaDeTexto 3">
+            <a:extLst>
+              <a:ext uri="{FF2B5EF4-FFF2-40B4-BE49-F238E27FC236}">
+                <a16:creationId xmlns:a16="http://schemas.microsoft.com/office/drawing/2014/main" id="{47A18623-B6DB-5652-06AB-35F8E8D18BB7}"/>
+              </a:ext>
+            </a:extLst>
+          </p:cNvPr>
+          <p:cNvSpPr txBox="1"/>
+          <p:nvPr/>
+        </p:nvSpPr>
+        <p:spPr>
+          <a:xfrm>
+            <a:off x="646607" y="2924978"/>
+            <a:ext cx="7211034" cy="1169551"/>
+          </a:xfrm>
+          <a:prstGeom prst="rect">
+            <a:avLst/>
+          </a:prstGeom>
+          <a:noFill/>
+        </p:spPr>
+        <p:txBody>
+          <a:bodyPr wrap="square" lIns="135000" rIns="135000">
+            <a:spAutoFit/>
+          </a:bodyPr>
+          <a:lstStyle/>
+          <a:p>
+            <a:r>
+              <a:rPr lang="pt-BR" sz="1400" dirty="0">
+                <a:latin typeface="Nunito" pitchFamily="2" charset="0"/>
+                <a:ea typeface="Verdana" panose="020B0604030504040204" pitchFamily="34" charset="0"/>
+              </a:rPr>
+              <a:t>Com a modernização diária dos softwares e hardwares, as torres de controle ficam vulneráveis aos ataques virtuais</a:t>
+            </a:r>
+            <a:br>
+              <a:rPr lang="pt-BR" sz="1400" dirty="0">
+                <a:latin typeface="Nunito" pitchFamily="2" charset="0"/>
+                <a:ea typeface="Verdana" panose="020B0604030504040204" pitchFamily="34" charset="0"/>
+              </a:rPr>
+            </a:br>
+            <a:br>
+              <a:rPr lang="pt-BR" sz="1400" dirty="0">
+                <a:latin typeface="Nunito" pitchFamily="2" charset="0"/>
+                <a:ea typeface="Verdana" panose="020B0604030504040204" pitchFamily="34" charset="0"/>
+              </a:rPr>
+            </a:br>
+            <a:r>
+              <a:rPr lang="pt-BR" sz="1400" dirty="0">
+                <a:latin typeface="Nunito" pitchFamily="2" charset="0"/>
+                <a:ea typeface="Verdana" panose="020B0604030504040204" pitchFamily="34" charset="0"/>
+              </a:rPr>
+              <a:t>O uso contínuo das máquinas com alta demanda de processamento gera a necessidade de manutenção recorrente, porém não previsível</a:t>
+            </a:r>
+          </a:p>
+        </p:txBody>
+      </p:sp>
+    </p:spTree>
+    <p:extLst>
+      <p:ext uri="{BB962C8B-B14F-4D97-AF65-F5344CB8AC3E}">
+        <p14:creationId xmlns:p14="http://schemas.microsoft.com/office/powerpoint/2010/main" val="2126624325"/>
+      </p:ext>
+    </p:extLst>
+  </p:cSld>
+  <p:clrMapOvr>
+    <a:masterClrMapping/>
+  </p:clrMapOvr>
+  <mc:AlternateContent xmlns:mc="http://schemas.openxmlformats.org/markup-compatibility/2006" xmlns:p14="http://schemas.microsoft.com/office/powerpoint/2010/main">
+    <mc:Choice Requires="p14">
+      <p:transition spd="med" p14:dur="700">
+        <p:fade/>
+      </p:transition>
+    </mc:Choice>
+    <mc:Fallback xmlns="">
+      <p:transition spd="med">
+        <p:fade/>
+      </p:transition>
+    </mc:Fallback>
+  </mc:AlternateContent>
+</p:sld>
+</file>
+
+<file path=ppt/slides/slide22.xml><?xml version="1.0" encoding="utf-8"?>
+<p:sld xmlns:a="http://schemas.openxmlformats.org/drawingml/2006/main" xmlns:r="http://schemas.openxmlformats.org/officeDocument/2006/relationships" xmlns:p="http://schemas.openxmlformats.org/presentationml/2006/main">
+  <p:cSld>
+    <p:bg>
+      <p:bgPr>
+        <a:solidFill>
+          <a:schemeClr val="bg1"/>
+        </a:solidFill>
+        <a:effectLst/>
+      </p:bgPr>
+    </p:bg>
+    <p:spTree>
+      <p:nvGrpSpPr>
         <p:cNvPr id="1" name="Shape 1020"/>
         <p:cNvGrpSpPr/>
         <p:nvPr/>
@@ -47013,15 +48069,7 @@
             </a:pPr>
             <a:r>
               <a:rPr lang="pt-BR" dirty="0"/>
-              <a:t>Personas Envolvidas, Ferramenta de gestão, </a:t>
-            </a:r>
-            <a:r>
-              <a:rPr lang="pt-BR" dirty="0" err="1"/>
-              <a:t>User</a:t>
-            </a:r>
-            <a:r>
-              <a:rPr lang="pt-BR" dirty="0"/>
-              <a:t> Stories &amp; Lean UX</a:t>
+              <a:t>Personas Envolvidas, Ferramenta de gestão, User Stories &amp; Lean UX</a:t>
             </a:r>
           </a:p>
         </p:txBody>
@@ -51544,36 +52592,6 @@
           <a:chExt cx="0" cy="0"/>
         </a:xfrm>
       </p:grpSpPr>
-      <p:pic>
-        <p:nvPicPr>
-          <p:cNvPr id="4" name="Imagem 3">
-            <a:extLst>
-              <a:ext uri="{FF2B5EF4-FFF2-40B4-BE49-F238E27FC236}">
-                <a16:creationId xmlns:a16="http://schemas.microsoft.com/office/drawing/2014/main" id="{70E5E5BD-FC12-D6C5-C72C-B6557467BECD}"/>
-              </a:ext>
-            </a:extLst>
-          </p:cNvPr>
-          <p:cNvPicPr>
-            <a:picLocks noChangeAspect="1"/>
-          </p:cNvPicPr>
-          <p:nvPr/>
-        </p:nvPicPr>
-        <p:blipFill>
-          <a:blip r:embed="rId2"/>
-          <a:stretch>
-            <a:fillRect/>
-          </a:stretch>
-        </p:blipFill>
-        <p:spPr>
-          <a:xfrm>
-            <a:off x="1205298" y="845643"/>
-            <a:ext cx="6733404" cy="4115845"/>
-          </a:xfrm>
-          <a:prstGeom prst="rect">
-            <a:avLst/>
-          </a:prstGeom>
-        </p:spPr>
-      </p:pic>
       <p:sp>
         <p:nvSpPr>
           <p:cNvPr id="2" name="Google Shape;283;p36">
@@ -51886,11 +52904,11 @@
           <p:nvPr/>
         </p:nvPicPr>
         <p:blipFill>
-          <a:blip r:embed="rId3">
+          <a:blip r:embed="rId2">
             <a:alphaModFix amt="38000"/>
             <a:extLst>
               <a:ext uri="{96DAC541-7B7A-43D3-8B79-37D633B846F1}">
-                <asvg:svgBlip xmlns:asvg="http://schemas.microsoft.com/office/drawing/2016/SVG/main" r:embed="rId4"/>
+                <asvg:svgBlip xmlns:asvg="http://schemas.microsoft.com/office/drawing/2016/SVG/main" r:embed="rId3"/>
               </a:ext>
             </a:extLst>
           </a:blip>
@@ -51902,6 +52920,36 @@
           <a:xfrm>
             <a:off x="217078" y="4356410"/>
             <a:ext cx="787090" cy="787090"/>
+          </a:xfrm>
+          <a:prstGeom prst="rect">
+            <a:avLst/>
+          </a:prstGeom>
+        </p:spPr>
+      </p:pic>
+      <p:pic>
+        <p:nvPicPr>
+          <p:cNvPr id="6" name="Imagem 5">
+            <a:extLst>
+              <a:ext uri="{FF2B5EF4-FFF2-40B4-BE49-F238E27FC236}">
+                <a16:creationId xmlns:a16="http://schemas.microsoft.com/office/drawing/2014/main" id="{0AC969B0-ED2D-699F-C817-48D2E5863FEA}"/>
+              </a:ext>
+            </a:extLst>
+          </p:cNvPr>
+          <p:cNvPicPr>
+            <a:picLocks noChangeAspect="1"/>
+          </p:cNvPicPr>
+          <p:nvPr/>
+        </p:nvPicPr>
+        <p:blipFill>
+          <a:blip r:embed="rId4"/>
+          <a:stretch>
+            <a:fillRect/>
+          </a:stretch>
+        </p:blipFill>
+        <p:spPr>
+          <a:xfrm>
+            <a:off x="1506824" y="853154"/>
+            <a:ext cx="6287007" cy="4290346"/>
           </a:xfrm>
           <a:prstGeom prst="rect">
             <a:avLst/>
